--- a/Project1 ASU bootcamp.pptx
+++ b/Project1 ASU bootcamp.pptx
@@ -4,11 +4,17 @@
   <p:sldMasterIdLst>
     <p:sldMasterId id="2147483648" r:id="rId1"/>
   </p:sldMasterIdLst>
+  <p:notesMasterIdLst>
+    <p:notesMasterId r:id="rId9"/>
+  </p:notesMasterIdLst>
   <p:sldIdLst>
     <p:sldId id="256" r:id="rId2"/>
-    <p:sldId id="257" r:id="rId3"/>
-    <p:sldId id="258" r:id="rId4"/>
-    <p:sldId id="259" r:id="rId5"/>
+    <p:sldId id="261" r:id="rId3"/>
+    <p:sldId id="262" r:id="rId4"/>
+    <p:sldId id="258" r:id="rId5"/>
+    <p:sldId id="260" r:id="rId6"/>
+    <p:sldId id="257" r:id="rId7"/>
+    <p:sldId id="259" r:id="rId8"/>
   </p:sldIdLst>
   <p:sldSz cx="12192000" cy="6858000"/>
   <p:notesSz cx="6858000" cy="9144000"/>
@@ -107,7 +113,3314 @@
       </a:defRPr>
     </a:lvl9pPr>
   </p:defaultTextStyle>
+  <p:extLst>
+    <p:ext uri="{EFAFB233-063F-42B5-8137-9DF3F51BA10A}">
+      <p15:sldGuideLst xmlns:p15="http://schemas.microsoft.com/office/powerpoint/2012/main"/>
+    </p:ext>
+  </p:extLst>
 </p:presentation>
+</file>
+
+<file path=ppt/diagrams/colors1.xml><?xml version="1.0" encoding="utf-8"?>
+<dgm:colorsDef xmlns:dgm="http://schemas.openxmlformats.org/drawingml/2006/diagram" xmlns:a="http://schemas.openxmlformats.org/drawingml/2006/main" uniqueId="urn:microsoft.com/office/officeart/2005/8/colors/accent1_2">
+  <dgm:title val=""/>
+  <dgm:desc val=""/>
+  <dgm:catLst>
+    <dgm:cat type="accent1" pri="11200"/>
+  </dgm:catLst>
+  <dgm:styleLbl name="node0">
+    <dgm:fillClrLst meth="repeat">
+      <a:schemeClr val="accent1"/>
+    </dgm:fillClrLst>
+    <dgm:linClrLst meth="repeat">
+      <a:schemeClr val="lt1"/>
+    </dgm:linClrLst>
+    <dgm:effectClrLst/>
+    <dgm:txLinClrLst/>
+    <dgm:txFillClrLst/>
+    <dgm:txEffectClrLst/>
+  </dgm:styleLbl>
+  <dgm:styleLbl name="alignNode1">
+    <dgm:fillClrLst meth="repeat">
+      <a:schemeClr val="accent1"/>
+    </dgm:fillClrLst>
+    <dgm:linClrLst meth="repeat">
+      <a:schemeClr val="accent1"/>
+    </dgm:linClrLst>
+    <dgm:effectClrLst/>
+    <dgm:txLinClrLst/>
+    <dgm:txFillClrLst/>
+    <dgm:txEffectClrLst/>
+  </dgm:styleLbl>
+  <dgm:styleLbl name="node1">
+    <dgm:fillClrLst meth="repeat">
+      <a:schemeClr val="accent1"/>
+    </dgm:fillClrLst>
+    <dgm:linClrLst meth="repeat">
+      <a:schemeClr val="lt1"/>
+    </dgm:linClrLst>
+    <dgm:effectClrLst/>
+    <dgm:txLinClrLst/>
+    <dgm:txFillClrLst/>
+    <dgm:txEffectClrLst/>
+  </dgm:styleLbl>
+  <dgm:styleLbl name="lnNode1">
+    <dgm:fillClrLst meth="repeat">
+      <a:schemeClr val="accent1"/>
+    </dgm:fillClrLst>
+    <dgm:linClrLst meth="repeat">
+      <a:schemeClr val="lt1"/>
+    </dgm:linClrLst>
+    <dgm:effectClrLst/>
+    <dgm:txLinClrLst/>
+    <dgm:txFillClrLst/>
+    <dgm:txEffectClrLst/>
+  </dgm:styleLbl>
+  <dgm:styleLbl name="vennNode1">
+    <dgm:fillClrLst meth="repeat">
+      <a:schemeClr val="accent1">
+        <a:alpha val="50000"/>
+      </a:schemeClr>
+    </dgm:fillClrLst>
+    <dgm:linClrLst meth="repeat">
+      <a:schemeClr val="lt1"/>
+    </dgm:linClrLst>
+    <dgm:effectClrLst/>
+    <dgm:txLinClrLst/>
+    <dgm:txFillClrLst/>
+    <dgm:txEffectClrLst/>
+  </dgm:styleLbl>
+  <dgm:styleLbl name="node2">
+    <dgm:fillClrLst meth="repeat">
+      <a:schemeClr val="accent1"/>
+    </dgm:fillClrLst>
+    <dgm:linClrLst meth="repeat">
+      <a:schemeClr val="lt1"/>
+    </dgm:linClrLst>
+    <dgm:effectClrLst/>
+    <dgm:txLinClrLst/>
+    <dgm:txFillClrLst/>
+    <dgm:txEffectClrLst/>
+  </dgm:styleLbl>
+  <dgm:styleLbl name="node3">
+    <dgm:fillClrLst meth="repeat">
+      <a:schemeClr val="accent1"/>
+    </dgm:fillClrLst>
+    <dgm:linClrLst meth="repeat">
+      <a:schemeClr val="lt1"/>
+    </dgm:linClrLst>
+    <dgm:effectClrLst/>
+    <dgm:txLinClrLst/>
+    <dgm:txFillClrLst/>
+    <dgm:txEffectClrLst/>
+  </dgm:styleLbl>
+  <dgm:styleLbl name="node4">
+    <dgm:fillClrLst meth="repeat">
+      <a:schemeClr val="accent1"/>
+    </dgm:fillClrLst>
+    <dgm:linClrLst meth="repeat">
+      <a:schemeClr val="lt1"/>
+    </dgm:linClrLst>
+    <dgm:effectClrLst/>
+    <dgm:txLinClrLst/>
+    <dgm:txFillClrLst/>
+    <dgm:txEffectClrLst/>
+  </dgm:styleLbl>
+  <dgm:styleLbl name="fgImgPlace1">
+    <dgm:fillClrLst meth="repeat">
+      <a:schemeClr val="accent1">
+        <a:tint val="50000"/>
+      </a:schemeClr>
+    </dgm:fillClrLst>
+    <dgm:linClrLst meth="repeat">
+      <a:schemeClr val="lt1"/>
+    </dgm:linClrLst>
+    <dgm:effectClrLst/>
+    <dgm:txLinClrLst/>
+    <dgm:txFillClrLst meth="repeat">
+      <a:schemeClr val="lt1"/>
+    </dgm:txFillClrLst>
+    <dgm:txEffectClrLst/>
+  </dgm:styleLbl>
+  <dgm:styleLbl name="alignImgPlace1">
+    <dgm:fillClrLst meth="repeat">
+      <a:schemeClr val="accent1">
+        <a:tint val="50000"/>
+      </a:schemeClr>
+    </dgm:fillClrLst>
+    <dgm:linClrLst meth="repeat">
+      <a:schemeClr val="lt1"/>
+    </dgm:linClrLst>
+    <dgm:effectClrLst/>
+    <dgm:txLinClrLst/>
+    <dgm:txFillClrLst meth="repeat">
+      <a:schemeClr val="lt1"/>
+    </dgm:txFillClrLst>
+    <dgm:txEffectClrLst/>
+  </dgm:styleLbl>
+  <dgm:styleLbl name="bgImgPlace1">
+    <dgm:fillClrLst meth="repeat">
+      <a:schemeClr val="accent1">
+        <a:tint val="50000"/>
+      </a:schemeClr>
+    </dgm:fillClrLst>
+    <dgm:linClrLst meth="repeat">
+      <a:schemeClr val="lt1"/>
+    </dgm:linClrLst>
+    <dgm:effectClrLst/>
+    <dgm:txLinClrLst/>
+    <dgm:txFillClrLst meth="repeat">
+      <a:schemeClr val="lt1"/>
+    </dgm:txFillClrLst>
+    <dgm:txEffectClrLst/>
+  </dgm:styleLbl>
+  <dgm:styleLbl name="sibTrans2D1">
+    <dgm:fillClrLst meth="repeat">
+      <a:schemeClr val="accent1">
+        <a:tint val="60000"/>
+      </a:schemeClr>
+    </dgm:fillClrLst>
+    <dgm:linClrLst meth="repeat">
+      <a:schemeClr val="accent1">
+        <a:tint val="60000"/>
+      </a:schemeClr>
+    </dgm:linClrLst>
+    <dgm:effectClrLst/>
+    <dgm:txLinClrLst/>
+    <dgm:txFillClrLst/>
+    <dgm:txEffectClrLst/>
+  </dgm:styleLbl>
+  <dgm:styleLbl name="fgSibTrans2D1">
+    <dgm:fillClrLst meth="repeat">
+      <a:schemeClr val="accent1">
+        <a:tint val="60000"/>
+      </a:schemeClr>
+    </dgm:fillClrLst>
+    <dgm:linClrLst meth="repeat">
+      <a:schemeClr val="accent1">
+        <a:tint val="60000"/>
+      </a:schemeClr>
+    </dgm:linClrLst>
+    <dgm:effectClrLst/>
+    <dgm:txLinClrLst/>
+    <dgm:txFillClrLst/>
+    <dgm:txEffectClrLst/>
+  </dgm:styleLbl>
+  <dgm:styleLbl name="bgSibTrans2D1">
+    <dgm:fillClrLst meth="repeat">
+      <a:schemeClr val="accent1">
+        <a:tint val="60000"/>
+      </a:schemeClr>
+    </dgm:fillClrLst>
+    <dgm:linClrLst meth="repeat">
+      <a:schemeClr val="accent1">
+        <a:tint val="60000"/>
+      </a:schemeClr>
+    </dgm:linClrLst>
+    <dgm:effectClrLst/>
+    <dgm:txLinClrLst/>
+    <dgm:txFillClrLst/>
+    <dgm:txEffectClrLst/>
+  </dgm:styleLbl>
+  <dgm:styleLbl name="sibTrans1D1">
+    <dgm:fillClrLst meth="repeat">
+      <a:schemeClr val="accent1"/>
+    </dgm:fillClrLst>
+    <dgm:linClrLst meth="repeat">
+      <a:schemeClr val="accent1"/>
+    </dgm:linClrLst>
+    <dgm:effectClrLst/>
+    <dgm:txLinClrLst/>
+    <dgm:txFillClrLst meth="repeat">
+      <a:schemeClr val="tx1"/>
+    </dgm:txFillClrLst>
+    <dgm:txEffectClrLst/>
+  </dgm:styleLbl>
+  <dgm:styleLbl name="callout">
+    <dgm:fillClrLst meth="repeat">
+      <a:schemeClr val="accent1"/>
+    </dgm:fillClrLst>
+    <dgm:linClrLst meth="repeat">
+      <a:schemeClr val="accent1">
+        <a:tint val="50000"/>
+      </a:schemeClr>
+    </dgm:linClrLst>
+    <dgm:effectClrLst/>
+    <dgm:txLinClrLst/>
+    <dgm:txFillClrLst meth="repeat">
+      <a:schemeClr val="tx1"/>
+    </dgm:txFillClrLst>
+    <dgm:txEffectClrLst/>
+  </dgm:styleLbl>
+  <dgm:styleLbl name="asst0">
+    <dgm:fillClrLst meth="repeat">
+      <a:schemeClr val="accent1"/>
+    </dgm:fillClrLst>
+    <dgm:linClrLst meth="repeat">
+      <a:schemeClr val="lt1"/>
+    </dgm:linClrLst>
+    <dgm:effectClrLst/>
+    <dgm:txLinClrLst/>
+    <dgm:txFillClrLst/>
+    <dgm:txEffectClrLst/>
+  </dgm:styleLbl>
+  <dgm:styleLbl name="asst1">
+    <dgm:fillClrLst meth="repeat">
+      <a:schemeClr val="accent1"/>
+    </dgm:fillClrLst>
+    <dgm:linClrLst meth="repeat">
+      <a:schemeClr val="lt1"/>
+    </dgm:linClrLst>
+    <dgm:effectClrLst/>
+    <dgm:txLinClrLst/>
+    <dgm:txFillClrLst/>
+    <dgm:txEffectClrLst/>
+  </dgm:styleLbl>
+  <dgm:styleLbl name="asst2">
+    <dgm:fillClrLst meth="repeat">
+      <a:schemeClr val="accent1"/>
+    </dgm:fillClrLst>
+    <dgm:linClrLst meth="repeat">
+      <a:schemeClr val="lt1"/>
+    </dgm:linClrLst>
+    <dgm:effectClrLst/>
+    <dgm:txLinClrLst/>
+    <dgm:txFillClrLst/>
+    <dgm:txEffectClrLst/>
+  </dgm:styleLbl>
+  <dgm:styleLbl name="asst3">
+    <dgm:fillClrLst meth="repeat">
+      <a:schemeClr val="accent1"/>
+    </dgm:fillClrLst>
+    <dgm:linClrLst meth="repeat">
+      <a:schemeClr val="lt1"/>
+    </dgm:linClrLst>
+    <dgm:effectClrLst/>
+    <dgm:txLinClrLst/>
+    <dgm:txFillClrLst/>
+    <dgm:txEffectClrLst/>
+  </dgm:styleLbl>
+  <dgm:styleLbl name="asst4">
+    <dgm:fillClrLst meth="repeat">
+      <a:schemeClr val="accent1"/>
+    </dgm:fillClrLst>
+    <dgm:linClrLst meth="repeat">
+      <a:schemeClr val="lt1"/>
+    </dgm:linClrLst>
+    <dgm:effectClrLst/>
+    <dgm:txLinClrLst/>
+    <dgm:txFillClrLst/>
+    <dgm:txEffectClrLst/>
+  </dgm:styleLbl>
+  <dgm:styleLbl name="parChTrans2D1">
+    <dgm:fillClrLst meth="repeat">
+      <a:schemeClr val="accent1">
+        <a:tint val="60000"/>
+      </a:schemeClr>
+    </dgm:fillClrLst>
+    <dgm:linClrLst meth="repeat">
+      <a:schemeClr val="accent1">
+        <a:tint val="60000"/>
+      </a:schemeClr>
+    </dgm:linClrLst>
+    <dgm:effectClrLst/>
+    <dgm:txLinClrLst/>
+    <dgm:txFillClrLst meth="repeat">
+      <a:schemeClr val="lt1"/>
+    </dgm:txFillClrLst>
+    <dgm:txEffectClrLst/>
+  </dgm:styleLbl>
+  <dgm:styleLbl name="parChTrans2D2">
+    <dgm:fillClrLst meth="repeat">
+      <a:schemeClr val="accent1"/>
+    </dgm:fillClrLst>
+    <dgm:linClrLst meth="repeat">
+      <a:schemeClr val="accent1"/>
+    </dgm:linClrLst>
+    <dgm:effectClrLst/>
+    <dgm:txLinClrLst/>
+    <dgm:txFillClrLst meth="repeat">
+      <a:schemeClr val="lt1"/>
+    </dgm:txFillClrLst>
+    <dgm:txEffectClrLst/>
+  </dgm:styleLbl>
+  <dgm:styleLbl name="parChTrans2D3">
+    <dgm:fillClrLst meth="repeat">
+      <a:schemeClr val="accent1"/>
+    </dgm:fillClrLst>
+    <dgm:linClrLst meth="repeat">
+      <a:schemeClr val="accent1"/>
+    </dgm:linClrLst>
+    <dgm:effectClrLst/>
+    <dgm:txLinClrLst/>
+    <dgm:txFillClrLst meth="repeat">
+      <a:schemeClr val="lt1"/>
+    </dgm:txFillClrLst>
+    <dgm:txEffectClrLst/>
+  </dgm:styleLbl>
+  <dgm:styleLbl name="parChTrans2D4">
+    <dgm:fillClrLst meth="repeat">
+      <a:schemeClr val="accent1"/>
+    </dgm:fillClrLst>
+    <dgm:linClrLst meth="repeat">
+      <a:schemeClr val="accent1"/>
+    </dgm:linClrLst>
+    <dgm:effectClrLst/>
+    <dgm:txLinClrLst/>
+    <dgm:txFillClrLst meth="repeat">
+      <a:schemeClr val="lt1"/>
+    </dgm:txFillClrLst>
+    <dgm:txEffectClrLst/>
+  </dgm:styleLbl>
+  <dgm:styleLbl name="parChTrans1D1">
+    <dgm:fillClrLst meth="repeat">
+      <a:schemeClr val="accent1"/>
+    </dgm:fillClrLst>
+    <dgm:linClrLst meth="repeat">
+      <a:schemeClr val="accent1">
+        <a:shade val="60000"/>
+      </a:schemeClr>
+    </dgm:linClrLst>
+    <dgm:effectClrLst/>
+    <dgm:txLinClrLst/>
+    <dgm:txFillClrLst meth="repeat">
+      <a:schemeClr val="tx1"/>
+    </dgm:txFillClrLst>
+    <dgm:txEffectClrLst/>
+  </dgm:styleLbl>
+  <dgm:styleLbl name="parChTrans1D2">
+    <dgm:fillClrLst meth="repeat">
+      <a:schemeClr val="accent1"/>
+    </dgm:fillClrLst>
+    <dgm:linClrLst meth="repeat">
+      <a:schemeClr val="accent1">
+        <a:shade val="60000"/>
+      </a:schemeClr>
+    </dgm:linClrLst>
+    <dgm:effectClrLst/>
+    <dgm:txLinClrLst/>
+    <dgm:txFillClrLst meth="repeat">
+      <a:schemeClr val="tx1"/>
+    </dgm:txFillClrLst>
+    <dgm:txEffectClrLst/>
+  </dgm:styleLbl>
+  <dgm:styleLbl name="parChTrans1D3">
+    <dgm:fillClrLst meth="repeat">
+      <a:schemeClr val="accent1"/>
+    </dgm:fillClrLst>
+    <dgm:linClrLst meth="repeat">
+      <a:schemeClr val="accent1">
+        <a:shade val="80000"/>
+      </a:schemeClr>
+    </dgm:linClrLst>
+    <dgm:effectClrLst/>
+    <dgm:txLinClrLst/>
+    <dgm:txFillClrLst meth="repeat">
+      <a:schemeClr val="tx1"/>
+    </dgm:txFillClrLst>
+    <dgm:txEffectClrLst/>
+  </dgm:styleLbl>
+  <dgm:styleLbl name="parChTrans1D4">
+    <dgm:fillClrLst meth="repeat">
+      <a:schemeClr val="accent1"/>
+    </dgm:fillClrLst>
+    <dgm:linClrLst meth="repeat">
+      <a:schemeClr val="accent1">
+        <a:shade val="80000"/>
+      </a:schemeClr>
+    </dgm:linClrLst>
+    <dgm:effectClrLst/>
+    <dgm:txLinClrLst/>
+    <dgm:txFillClrLst meth="repeat">
+      <a:schemeClr val="tx1"/>
+    </dgm:txFillClrLst>
+    <dgm:txEffectClrLst/>
+  </dgm:styleLbl>
+  <dgm:styleLbl name="fgAcc1">
+    <dgm:fillClrLst meth="repeat">
+      <a:schemeClr val="lt1">
+        <a:alpha val="90000"/>
+      </a:schemeClr>
+    </dgm:fillClrLst>
+    <dgm:linClrLst meth="repeat">
+      <a:schemeClr val="accent1"/>
+    </dgm:linClrLst>
+    <dgm:effectClrLst/>
+    <dgm:txLinClrLst/>
+    <dgm:txFillClrLst meth="repeat">
+      <a:schemeClr val="dk1"/>
+    </dgm:txFillClrLst>
+    <dgm:txEffectClrLst/>
+  </dgm:styleLbl>
+  <dgm:styleLbl name="conFgAcc1">
+    <dgm:fillClrLst meth="repeat">
+      <a:schemeClr val="lt1">
+        <a:alpha val="90000"/>
+      </a:schemeClr>
+    </dgm:fillClrLst>
+    <dgm:linClrLst meth="repeat">
+      <a:schemeClr val="accent1"/>
+    </dgm:linClrLst>
+    <dgm:effectClrLst/>
+    <dgm:txLinClrLst/>
+    <dgm:txFillClrLst meth="repeat">
+      <a:schemeClr val="dk1"/>
+    </dgm:txFillClrLst>
+    <dgm:txEffectClrLst/>
+  </dgm:styleLbl>
+  <dgm:styleLbl name="alignAcc1">
+    <dgm:fillClrLst meth="repeat">
+      <a:schemeClr val="lt1">
+        <a:alpha val="90000"/>
+      </a:schemeClr>
+    </dgm:fillClrLst>
+    <dgm:linClrLst meth="repeat">
+      <a:schemeClr val="accent1"/>
+    </dgm:linClrLst>
+    <dgm:effectClrLst/>
+    <dgm:txLinClrLst/>
+    <dgm:txFillClrLst meth="repeat">
+      <a:schemeClr val="dk1"/>
+    </dgm:txFillClrLst>
+    <dgm:txEffectClrLst/>
+  </dgm:styleLbl>
+  <dgm:styleLbl name="trAlignAcc1">
+    <dgm:fillClrLst meth="repeat">
+      <a:schemeClr val="lt1">
+        <a:alpha val="40000"/>
+      </a:schemeClr>
+    </dgm:fillClrLst>
+    <dgm:linClrLst meth="repeat">
+      <a:schemeClr val="accent1"/>
+    </dgm:linClrLst>
+    <dgm:effectClrLst/>
+    <dgm:txLinClrLst/>
+    <dgm:txFillClrLst meth="repeat">
+      <a:schemeClr val="dk1"/>
+    </dgm:txFillClrLst>
+    <dgm:txEffectClrLst/>
+  </dgm:styleLbl>
+  <dgm:styleLbl name="bgAcc1">
+    <dgm:fillClrLst meth="repeat">
+      <a:schemeClr val="lt1">
+        <a:alpha val="90000"/>
+      </a:schemeClr>
+    </dgm:fillClrLst>
+    <dgm:linClrLst meth="repeat">
+      <a:schemeClr val="accent1"/>
+    </dgm:linClrLst>
+    <dgm:effectClrLst/>
+    <dgm:txLinClrLst/>
+    <dgm:txFillClrLst meth="repeat">
+      <a:schemeClr val="dk1"/>
+    </dgm:txFillClrLst>
+    <dgm:txEffectClrLst/>
+  </dgm:styleLbl>
+  <dgm:styleLbl name="solidFgAcc1">
+    <dgm:fillClrLst meth="repeat">
+      <a:schemeClr val="lt1"/>
+    </dgm:fillClrLst>
+    <dgm:linClrLst meth="repeat">
+      <a:schemeClr val="accent1"/>
+    </dgm:linClrLst>
+    <dgm:effectClrLst/>
+    <dgm:txLinClrLst/>
+    <dgm:txFillClrLst meth="repeat">
+      <a:schemeClr val="dk1"/>
+    </dgm:txFillClrLst>
+    <dgm:txEffectClrLst/>
+  </dgm:styleLbl>
+  <dgm:styleLbl name="solidAlignAcc1">
+    <dgm:fillClrLst meth="repeat">
+      <a:schemeClr val="lt1"/>
+    </dgm:fillClrLst>
+    <dgm:linClrLst meth="repeat">
+      <a:schemeClr val="accent1"/>
+    </dgm:linClrLst>
+    <dgm:effectClrLst/>
+    <dgm:txLinClrLst/>
+    <dgm:txFillClrLst meth="repeat">
+      <a:schemeClr val="dk1"/>
+    </dgm:txFillClrLst>
+    <dgm:txEffectClrLst/>
+  </dgm:styleLbl>
+  <dgm:styleLbl name="solidBgAcc1">
+    <dgm:fillClrLst meth="repeat">
+      <a:schemeClr val="lt1"/>
+    </dgm:fillClrLst>
+    <dgm:linClrLst meth="repeat">
+      <a:schemeClr val="accent1"/>
+    </dgm:linClrLst>
+    <dgm:effectClrLst/>
+    <dgm:txLinClrLst/>
+    <dgm:txFillClrLst meth="repeat">
+      <a:schemeClr val="dk1"/>
+    </dgm:txFillClrLst>
+    <dgm:txEffectClrLst/>
+  </dgm:styleLbl>
+  <dgm:styleLbl name="fgAccFollowNode1">
+    <dgm:fillClrLst meth="repeat">
+      <a:schemeClr val="accent1">
+        <a:alpha val="90000"/>
+        <a:tint val="40000"/>
+      </a:schemeClr>
+    </dgm:fillClrLst>
+    <dgm:linClrLst meth="repeat">
+      <a:schemeClr val="accent1">
+        <a:alpha val="90000"/>
+        <a:tint val="40000"/>
+      </a:schemeClr>
+    </dgm:linClrLst>
+    <dgm:effectClrLst/>
+    <dgm:txLinClrLst/>
+    <dgm:txFillClrLst meth="repeat">
+      <a:schemeClr val="dk1"/>
+    </dgm:txFillClrLst>
+    <dgm:txEffectClrLst/>
+  </dgm:styleLbl>
+  <dgm:styleLbl name="alignAccFollowNode1">
+    <dgm:fillClrLst meth="repeat">
+      <a:schemeClr val="accent1">
+        <a:alpha val="90000"/>
+        <a:tint val="40000"/>
+      </a:schemeClr>
+    </dgm:fillClrLst>
+    <dgm:linClrLst meth="repeat">
+      <a:schemeClr val="accent1">
+        <a:alpha val="90000"/>
+        <a:tint val="40000"/>
+      </a:schemeClr>
+    </dgm:linClrLst>
+    <dgm:effectClrLst/>
+    <dgm:txLinClrLst/>
+    <dgm:txFillClrLst meth="repeat">
+      <a:schemeClr val="dk1"/>
+    </dgm:txFillClrLst>
+    <dgm:txEffectClrLst/>
+  </dgm:styleLbl>
+  <dgm:styleLbl name="bgAccFollowNode1">
+    <dgm:fillClrLst meth="repeat">
+      <a:schemeClr val="accent1">
+        <a:alpha val="90000"/>
+        <a:tint val="40000"/>
+      </a:schemeClr>
+    </dgm:fillClrLst>
+    <dgm:linClrLst meth="repeat">
+      <a:schemeClr val="accent1">
+        <a:alpha val="90000"/>
+        <a:tint val="40000"/>
+      </a:schemeClr>
+    </dgm:linClrLst>
+    <dgm:effectClrLst/>
+    <dgm:txLinClrLst/>
+    <dgm:txFillClrLst meth="repeat">
+      <a:schemeClr val="dk1"/>
+    </dgm:txFillClrLst>
+    <dgm:txEffectClrLst/>
+  </dgm:styleLbl>
+  <dgm:styleLbl name="fgAcc0">
+    <dgm:fillClrLst meth="repeat">
+      <a:schemeClr val="lt1">
+        <a:alpha val="90000"/>
+      </a:schemeClr>
+    </dgm:fillClrLst>
+    <dgm:linClrLst meth="repeat">
+      <a:schemeClr val="accent1"/>
+    </dgm:linClrLst>
+    <dgm:effectClrLst/>
+    <dgm:txLinClrLst/>
+    <dgm:txFillClrLst meth="repeat">
+      <a:schemeClr val="dk1"/>
+    </dgm:txFillClrLst>
+    <dgm:txEffectClrLst/>
+  </dgm:styleLbl>
+  <dgm:styleLbl name="fgAcc2">
+    <dgm:fillClrLst meth="repeat">
+      <a:schemeClr val="lt1">
+        <a:alpha val="90000"/>
+      </a:schemeClr>
+    </dgm:fillClrLst>
+    <dgm:linClrLst meth="repeat">
+      <a:schemeClr val="accent1"/>
+    </dgm:linClrLst>
+    <dgm:effectClrLst/>
+    <dgm:txLinClrLst/>
+    <dgm:txFillClrLst meth="repeat">
+      <a:schemeClr val="dk1"/>
+    </dgm:txFillClrLst>
+    <dgm:txEffectClrLst/>
+  </dgm:styleLbl>
+  <dgm:styleLbl name="fgAcc3">
+    <dgm:fillClrLst meth="repeat">
+      <a:schemeClr val="lt1">
+        <a:alpha val="90000"/>
+      </a:schemeClr>
+    </dgm:fillClrLst>
+    <dgm:linClrLst meth="repeat">
+      <a:schemeClr val="accent1"/>
+    </dgm:linClrLst>
+    <dgm:effectClrLst/>
+    <dgm:txLinClrLst/>
+    <dgm:txFillClrLst meth="repeat">
+      <a:schemeClr val="dk1"/>
+    </dgm:txFillClrLst>
+    <dgm:txEffectClrLst/>
+  </dgm:styleLbl>
+  <dgm:styleLbl name="fgAcc4">
+    <dgm:fillClrLst meth="repeat">
+      <a:schemeClr val="lt1">
+        <a:alpha val="90000"/>
+      </a:schemeClr>
+    </dgm:fillClrLst>
+    <dgm:linClrLst meth="repeat">
+      <a:schemeClr val="accent1"/>
+    </dgm:linClrLst>
+    <dgm:effectClrLst/>
+    <dgm:txLinClrLst/>
+    <dgm:txFillClrLst meth="repeat">
+      <a:schemeClr val="dk1"/>
+    </dgm:txFillClrLst>
+    <dgm:txEffectClrLst/>
+  </dgm:styleLbl>
+  <dgm:styleLbl name="bgShp">
+    <dgm:fillClrLst meth="repeat">
+      <a:schemeClr val="accent1">
+        <a:tint val="40000"/>
+      </a:schemeClr>
+    </dgm:fillClrLst>
+    <dgm:linClrLst meth="repeat">
+      <a:schemeClr val="accent1"/>
+    </dgm:linClrLst>
+    <dgm:effectClrLst/>
+    <dgm:txLinClrLst/>
+    <dgm:txFillClrLst meth="repeat">
+      <a:schemeClr val="dk1"/>
+    </dgm:txFillClrLst>
+    <dgm:txEffectClrLst/>
+  </dgm:styleLbl>
+  <dgm:styleLbl name="dkBgShp">
+    <dgm:fillClrLst meth="repeat">
+      <a:schemeClr val="accent1">
+        <a:shade val="80000"/>
+      </a:schemeClr>
+    </dgm:fillClrLst>
+    <dgm:linClrLst meth="repeat">
+      <a:schemeClr val="accent1"/>
+    </dgm:linClrLst>
+    <dgm:effectClrLst/>
+    <dgm:txLinClrLst/>
+    <dgm:txFillClrLst meth="repeat">
+      <a:schemeClr val="lt1"/>
+    </dgm:txFillClrLst>
+    <dgm:txEffectClrLst/>
+  </dgm:styleLbl>
+  <dgm:styleLbl name="trBgShp">
+    <dgm:fillClrLst meth="repeat">
+      <a:schemeClr val="accent1">
+        <a:tint val="50000"/>
+        <a:alpha val="40000"/>
+      </a:schemeClr>
+    </dgm:fillClrLst>
+    <dgm:linClrLst meth="repeat">
+      <a:schemeClr val="accent1"/>
+    </dgm:linClrLst>
+    <dgm:effectClrLst/>
+    <dgm:txLinClrLst/>
+    <dgm:txFillClrLst meth="repeat">
+      <a:schemeClr val="lt1"/>
+    </dgm:txFillClrLst>
+    <dgm:txEffectClrLst/>
+  </dgm:styleLbl>
+  <dgm:styleLbl name="fgShp">
+    <dgm:fillClrLst meth="repeat">
+      <a:schemeClr val="accent1">
+        <a:tint val="60000"/>
+      </a:schemeClr>
+    </dgm:fillClrLst>
+    <dgm:linClrLst meth="repeat">
+      <a:schemeClr val="lt1"/>
+    </dgm:linClrLst>
+    <dgm:effectClrLst/>
+    <dgm:txLinClrLst/>
+    <dgm:txFillClrLst meth="repeat">
+      <a:schemeClr val="dk1"/>
+    </dgm:txFillClrLst>
+    <dgm:txEffectClrLst/>
+  </dgm:styleLbl>
+  <dgm:styleLbl name="revTx">
+    <dgm:fillClrLst meth="repeat">
+      <a:schemeClr val="lt1">
+        <a:alpha val="0"/>
+      </a:schemeClr>
+    </dgm:fillClrLst>
+    <dgm:linClrLst meth="repeat">
+      <a:schemeClr val="dk1">
+        <a:alpha val="0"/>
+      </a:schemeClr>
+    </dgm:linClrLst>
+    <dgm:effectClrLst/>
+    <dgm:txLinClrLst/>
+    <dgm:txFillClrLst meth="repeat">
+      <a:schemeClr val="tx1"/>
+    </dgm:txFillClrLst>
+    <dgm:txEffectClrLst/>
+  </dgm:styleLbl>
+</dgm:colorsDef>
+</file>
+
+<file path=ppt/diagrams/data1.xml><?xml version="1.0" encoding="utf-8"?>
+<dgm:dataModel xmlns:dgm="http://schemas.openxmlformats.org/drawingml/2006/diagram" xmlns:a="http://schemas.openxmlformats.org/drawingml/2006/main">
+  <dgm:ptLst>
+    <dgm:pt modelId="{FA1CE501-57E1-8646-90D8-7E8927A6FD66}" type="doc">
+      <dgm:prSet loTypeId="urn:microsoft.com/office/officeart/2005/8/layout/vList3" loCatId="" qsTypeId="urn:microsoft.com/office/officeart/2005/8/quickstyle/simple1" qsCatId="simple" csTypeId="urn:microsoft.com/office/officeart/2005/8/colors/accent1_2" csCatId="accent1" phldr="1"/>
+      <dgm:spPr/>
+    </dgm:pt>
+    <dgm:pt modelId="{A843D159-D4D8-F947-90C5-08C2FB9BF8B0}">
+      <dgm:prSet phldrT="[Text]"/>
+      <dgm:spPr/>
+      <dgm:t>
+        <a:bodyPr/>
+        <a:lstStyle/>
+        <a:p>
+          <a:r>
+            <a:rPr lang="en-US" dirty="0"/>
+            <a:t>Current Stats</a:t>
+          </a:r>
+        </a:p>
+      </dgm:t>
+    </dgm:pt>
+    <dgm:pt modelId="{56F382E0-4A65-2A4F-962E-97376F1DCF23}" type="parTrans" cxnId="{E19BBC90-92E1-D243-96CA-2C5F2A945F3D}">
+      <dgm:prSet/>
+      <dgm:spPr/>
+      <dgm:t>
+        <a:bodyPr/>
+        <a:lstStyle/>
+        <a:p>
+          <a:endParaRPr lang="en-US"/>
+        </a:p>
+      </dgm:t>
+    </dgm:pt>
+    <dgm:pt modelId="{EED70137-4A55-C74E-B35A-3449704F4865}" type="sibTrans" cxnId="{E19BBC90-92E1-D243-96CA-2C5F2A945F3D}">
+      <dgm:prSet/>
+      <dgm:spPr/>
+      <dgm:t>
+        <a:bodyPr/>
+        <a:lstStyle/>
+        <a:p>
+          <a:endParaRPr lang="en-US"/>
+        </a:p>
+      </dgm:t>
+    </dgm:pt>
+    <dgm:pt modelId="{7CE6A2E7-2D6C-F745-98F8-132A3E884D23}">
+      <dgm:prSet phldrT="[Text]"/>
+      <dgm:spPr/>
+      <dgm:t>
+        <a:bodyPr/>
+        <a:lstStyle/>
+        <a:p>
+          <a:r>
+            <a:rPr lang="en-US" dirty="0"/>
+            <a:t>Historical Trends</a:t>
+          </a:r>
+        </a:p>
+      </dgm:t>
+    </dgm:pt>
+    <dgm:pt modelId="{985BA0C8-B324-0D4A-A25A-AC8AB5D78129}" type="parTrans" cxnId="{FD21DC0A-F800-3B42-B677-1FCF489A5327}">
+      <dgm:prSet/>
+      <dgm:spPr/>
+      <dgm:t>
+        <a:bodyPr/>
+        <a:lstStyle/>
+        <a:p>
+          <a:endParaRPr lang="en-US"/>
+        </a:p>
+      </dgm:t>
+    </dgm:pt>
+    <dgm:pt modelId="{F7E7DF32-AD80-1543-9B07-5A8BDBFA232F}" type="sibTrans" cxnId="{FD21DC0A-F800-3B42-B677-1FCF489A5327}">
+      <dgm:prSet/>
+      <dgm:spPr/>
+      <dgm:t>
+        <a:bodyPr/>
+        <a:lstStyle/>
+        <a:p>
+          <a:endParaRPr lang="en-US"/>
+        </a:p>
+      </dgm:t>
+    </dgm:pt>
+    <dgm:pt modelId="{0F0E6F92-4AF3-6245-B825-D2E2042AF1CA}">
+      <dgm:prSet phldrT="[Text]"/>
+      <dgm:spPr/>
+      <dgm:t>
+        <a:bodyPr/>
+        <a:lstStyle/>
+        <a:p>
+          <a:r>
+            <a:rPr lang="en-US" dirty="0"/>
+            <a:t>Locations</a:t>
+          </a:r>
+        </a:p>
+      </dgm:t>
+    </dgm:pt>
+    <dgm:pt modelId="{00294932-B77F-6C4E-939C-EE9C97FDFA56}" type="parTrans" cxnId="{C16966D5-0DF2-694A-8AA0-6077F4C07BF0}">
+      <dgm:prSet/>
+      <dgm:spPr/>
+      <dgm:t>
+        <a:bodyPr/>
+        <a:lstStyle/>
+        <a:p>
+          <a:endParaRPr lang="en-US"/>
+        </a:p>
+      </dgm:t>
+    </dgm:pt>
+    <dgm:pt modelId="{E50C7856-4C0A-FC48-B056-8822278BADE7}" type="sibTrans" cxnId="{C16966D5-0DF2-694A-8AA0-6077F4C07BF0}">
+      <dgm:prSet/>
+      <dgm:spPr/>
+      <dgm:t>
+        <a:bodyPr/>
+        <a:lstStyle/>
+        <a:p>
+          <a:endParaRPr lang="en-US"/>
+        </a:p>
+      </dgm:t>
+    </dgm:pt>
+    <dgm:pt modelId="{95650EEF-DCEE-ED47-85C9-290F40F80F60}">
+      <dgm:prSet/>
+      <dgm:spPr/>
+      <dgm:t>
+        <a:bodyPr/>
+        <a:lstStyle/>
+        <a:p>
+          <a:r>
+            <a:rPr lang="en-US" dirty="0"/>
+            <a:t>Challenges</a:t>
+          </a:r>
+        </a:p>
+      </dgm:t>
+    </dgm:pt>
+    <dgm:pt modelId="{A18C568A-BF10-0D43-8507-4D379613E8E5}" type="parTrans" cxnId="{64364C16-B62E-A443-92BD-65EC4813C2B7}">
+      <dgm:prSet/>
+      <dgm:spPr/>
+      <dgm:t>
+        <a:bodyPr/>
+        <a:lstStyle/>
+        <a:p>
+          <a:endParaRPr lang="en-US"/>
+        </a:p>
+      </dgm:t>
+    </dgm:pt>
+    <dgm:pt modelId="{1944BE47-4081-C74D-8ADD-8770777BC78D}" type="sibTrans" cxnId="{64364C16-B62E-A443-92BD-65EC4813C2B7}">
+      <dgm:prSet/>
+      <dgm:spPr/>
+      <dgm:t>
+        <a:bodyPr/>
+        <a:lstStyle/>
+        <a:p>
+          <a:endParaRPr lang="en-US"/>
+        </a:p>
+      </dgm:t>
+    </dgm:pt>
+    <dgm:pt modelId="{10524EA1-5810-2E46-B6C6-5BF9A5FCF147}" type="pres">
+      <dgm:prSet presAssocID="{FA1CE501-57E1-8646-90D8-7E8927A6FD66}" presName="linearFlow" presStyleCnt="0">
+        <dgm:presLayoutVars>
+          <dgm:dir/>
+          <dgm:resizeHandles val="exact"/>
+        </dgm:presLayoutVars>
+      </dgm:prSet>
+      <dgm:spPr/>
+    </dgm:pt>
+    <dgm:pt modelId="{3902C4F5-A956-8E43-86CB-5AEC3C829082}" type="pres">
+      <dgm:prSet presAssocID="{A843D159-D4D8-F947-90C5-08C2FB9BF8B0}" presName="composite" presStyleCnt="0"/>
+      <dgm:spPr/>
+    </dgm:pt>
+    <dgm:pt modelId="{D7C20547-ED88-6C48-A5B1-1B126D618CFE}" type="pres">
+      <dgm:prSet presAssocID="{A843D159-D4D8-F947-90C5-08C2FB9BF8B0}" presName="imgShp" presStyleLbl="fgImgPlace1" presStyleIdx="0" presStyleCnt="4"/>
+      <dgm:spPr>
+        <a:blipFill>
+          <a:blip xmlns:r="http://schemas.openxmlformats.org/officeDocument/2006/relationships" r:embed="rId1">
+            <a:extLst>
+              <a:ext uri="{28A0092B-C50C-407E-A947-70E740481C1C}">
+                <a14:useLocalDpi xmlns:a14="http://schemas.microsoft.com/office/drawing/2010/main" val="0"/>
+              </a:ext>
+            </a:extLst>
+          </a:blip>
+          <a:srcRect/>
+          <a:stretch>
+            <a:fillRect l="-16000" r="-16000"/>
+          </a:stretch>
+        </a:blipFill>
+      </dgm:spPr>
+    </dgm:pt>
+    <dgm:pt modelId="{309DE29C-AEFF-6E47-8590-84302C6FE262}" type="pres">
+      <dgm:prSet presAssocID="{A843D159-D4D8-F947-90C5-08C2FB9BF8B0}" presName="txShp" presStyleLbl="node1" presStyleIdx="0" presStyleCnt="4">
+        <dgm:presLayoutVars>
+          <dgm:bulletEnabled val="1"/>
+        </dgm:presLayoutVars>
+      </dgm:prSet>
+      <dgm:spPr/>
+    </dgm:pt>
+    <dgm:pt modelId="{ADF0E785-7681-8845-969A-969EA686BE90}" type="pres">
+      <dgm:prSet presAssocID="{EED70137-4A55-C74E-B35A-3449704F4865}" presName="spacing" presStyleCnt="0"/>
+      <dgm:spPr/>
+    </dgm:pt>
+    <dgm:pt modelId="{29B08DD4-62CD-AA49-864A-99E25B7D56C0}" type="pres">
+      <dgm:prSet presAssocID="{7CE6A2E7-2D6C-F745-98F8-132A3E884D23}" presName="composite" presStyleCnt="0"/>
+      <dgm:spPr/>
+    </dgm:pt>
+    <dgm:pt modelId="{DC967554-EEB5-4E46-B753-6BB1872107FF}" type="pres">
+      <dgm:prSet presAssocID="{7CE6A2E7-2D6C-F745-98F8-132A3E884D23}" presName="imgShp" presStyleLbl="fgImgPlace1" presStyleIdx="1" presStyleCnt="4"/>
+      <dgm:spPr/>
+    </dgm:pt>
+    <dgm:pt modelId="{E6626407-193B-4743-997B-3C979A505EE9}" type="pres">
+      <dgm:prSet presAssocID="{7CE6A2E7-2D6C-F745-98F8-132A3E884D23}" presName="txShp" presStyleLbl="node1" presStyleIdx="1" presStyleCnt="4">
+        <dgm:presLayoutVars>
+          <dgm:bulletEnabled val="1"/>
+        </dgm:presLayoutVars>
+      </dgm:prSet>
+      <dgm:spPr/>
+    </dgm:pt>
+    <dgm:pt modelId="{60425AE3-AEEF-AA4B-AD87-C225A5E0F6CA}" type="pres">
+      <dgm:prSet presAssocID="{F7E7DF32-AD80-1543-9B07-5A8BDBFA232F}" presName="spacing" presStyleCnt="0"/>
+      <dgm:spPr/>
+    </dgm:pt>
+    <dgm:pt modelId="{660F52E5-C6BD-3D4E-8BDF-BFDF09B3D094}" type="pres">
+      <dgm:prSet presAssocID="{95650EEF-DCEE-ED47-85C9-290F40F80F60}" presName="composite" presStyleCnt="0"/>
+      <dgm:spPr/>
+    </dgm:pt>
+    <dgm:pt modelId="{EFBE2ECB-C5C7-FF40-9ED4-A57BD890D7B4}" type="pres">
+      <dgm:prSet presAssocID="{95650EEF-DCEE-ED47-85C9-290F40F80F60}" presName="imgShp" presStyleLbl="fgImgPlace1" presStyleIdx="2" presStyleCnt="4"/>
+      <dgm:spPr/>
+    </dgm:pt>
+    <dgm:pt modelId="{73EEBA30-949B-1044-B8C2-792CA265B992}" type="pres">
+      <dgm:prSet presAssocID="{95650EEF-DCEE-ED47-85C9-290F40F80F60}" presName="txShp" presStyleLbl="node1" presStyleIdx="2" presStyleCnt="4">
+        <dgm:presLayoutVars>
+          <dgm:bulletEnabled val="1"/>
+        </dgm:presLayoutVars>
+      </dgm:prSet>
+      <dgm:spPr/>
+    </dgm:pt>
+    <dgm:pt modelId="{7B2E4019-2E89-214D-8AF5-6E32396FFFBA}" type="pres">
+      <dgm:prSet presAssocID="{1944BE47-4081-C74D-8ADD-8770777BC78D}" presName="spacing" presStyleCnt="0"/>
+      <dgm:spPr/>
+    </dgm:pt>
+    <dgm:pt modelId="{1B679FE9-745D-4645-8113-9767CE4F8FAA}" type="pres">
+      <dgm:prSet presAssocID="{0F0E6F92-4AF3-6245-B825-D2E2042AF1CA}" presName="composite" presStyleCnt="0"/>
+      <dgm:spPr/>
+    </dgm:pt>
+    <dgm:pt modelId="{54BC89FE-3A3D-374E-8248-25C3DA0CE22E}" type="pres">
+      <dgm:prSet presAssocID="{0F0E6F92-4AF3-6245-B825-D2E2042AF1CA}" presName="imgShp" presStyleLbl="fgImgPlace1" presStyleIdx="3" presStyleCnt="4"/>
+      <dgm:spPr/>
+    </dgm:pt>
+    <dgm:pt modelId="{0E097001-B1F9-7049-A958-ACC1A14D5D08}" type="pres">
+      <dgm:prSet presAssocID="{0F0E6F92-4AF3-6245-B825-D2E2042AF1CA}" presName="txShp" presStyleLbl="node1" presStyleIdx="3" presStyleCnt="4">
+        <dgm:presLayoutVars>
+          <dgm:bulletEnabled val="1"/>
+        </dgm:presLayoutVars>
+      </dgm:prSet>
+      <dgm:spPr/>
+    </dgm:pt>
+  </dgm:ptLst>
+  <dgm:cxnLst>
+    <dgm:cxn modelId="{FD21DC0A-F800-3B42-B677-1FCF489A5327}" srcId="{FA1CE501-57E1-8646-90D8-7E8927A6FD66}" destId="{7CE6A2E7-2D6C-F745-98F8-132A3E884D23}" srcOrd="1" destOrd="0" parTransId="{985BA0C8-B324-0D4A-A25A-AC8AB5D78129}" sibTransId="{F7E7DF32-AD80-1543-9B07-5A8BDBFA232F}"/>
+    <dgm:cxn modelId="{2FDFE80C-6FF6-CC4F-8E15-B82BEC0D74DB}" type="presOf" srcId="{FA1CE501-57E1-8646-90D8-7E8927A6FD66}" destId="{10524EA1-5810-2E46-B6C6-5BF9A5FCF147}" srcOrd="0" destOrd="0" presId="urn:microsoft.com/office/officeart/2005/8/layout/vList3"/>
+    <dgm:cxn modelId="{64364C16-B62E-A443-92BD-65EC4813C2B7}" srcId="{FA1CE501-57E1-8646-90D8-7E8927A6FD66}" destId="{95650EEF-DCEE-ED47-85C9-290F40F80F60}" srcOrd="2" destOrd="0" parTransId="{A18C568A-BF10-0D43-8507-4D379613E8E5}" sibTransId="{1944BE47-4081-C74D-8ADD-8770777BC78D}"/>
+    <dgm:cxn modelId="{E19BBC90-92E1-D243-96CA-2C5F2A945F3D}" srcId="{FA1CE501-57E1-8646-90D8-7E8927A6FD66}" destId="{A843D159-D4D8-F947-90C5-08C2FB9BF8B0}" srcOrd="0" destOrd="0" parTransId="{56F382E0-4A65-2A4F-962E-97376F1DCF23}" sibTransId="{EED70137-4A55-C74E-B35A-3449704F4865}"/>
+    <dgm:cxn modelId="{085C1AB1-72F6-3948-902A-C5A1FD73142C}" type="presOf" srcId="{A843D159-D4D8-F947-90C5-08C2FB9BF8B0}" destId="{309DE29C-AEFF-6E47-8590-84302C6FE262}" srcOrd="0" destOrd="0" presId="urn:microsoft.com/office/officeart/2005/8/layout/vList3"/>
+    <dgm:cxn modelId="{9B6E1FB9-11C0-7941-BF4A-C98E810B3019}" type="presOf" srcId="{0F0E6F92-4AF3-6245-B825-D2E2042AF1CA}" destId="{0E097001-B1F9-7049-A958-ACC1A14D5D08}" srcOrd="0" destOrd="0" presId="urn:microsoft.com/office/officeart/2005/8/layout/vList3"/>
+    <dgm:cxn modelId="{648D5EC8-D382-F340-A472-BAB7135FE0B0}" type="presOf" srcId="{7CE6A2E7-2D6C-F745-98F8-132A3E884D23}" destId="{E6626407-193B-4743-997B-3C979A505EE9}" srcOrd="0" destOrd="0" presId="urn:microsoft.com/office/officeart/2005/8/layout/vList3"/>
+    <dgm:cxn modelId="{849C00D5-48BE-BE41-8B9C-64AE89D13D05}" type="presOf" srcId="{95650EEF-DCEE-ED47-85C9-290F40F80F60}" destId="{73EEBA30-949B-1044-B8C2-792CA265B992}" srcOrd="0" destOrd="0" presId="urn:microsoft.com/office/officeart/2005/8/layout/vList3"/>
+    <dgm:cxn modelId="{C16966D5-0DF2-694A-8AA0-6077F4C07BF0}" srcId="{FA1CE501-57E1-8646-90D8-7E8927A6FD66}" destId="{0F0E6F92-4AF3-6245-B825-D2E2042AF1CA}" srcOrd="3" destOrd="0" parTransId="{00294932-B77F-6C4E-939C-EE9C97FDFA56}" sibTransId="{E50C7856-4C0A-FC48-B056-8822278BADE7}"/>
+    <dgm:cxn modelId="{080C5E77-0F1F-D143-82E9-FC22276501C9}" type="presParOf" srcId="{10524EA1-5810-2E46-B6C6-5BF9A5FCF147}" destId="{3902C4F5-A956-8E43-86CB-5AEC3C829082}" srcOrd="0" destOrd="0" presId="urn:microsoft.com/office/officeart/2005/8/layout/vList3"/>
+    <dgm:cxn modelId="{49B762A6-E1FC-FB4C-A376-6A047BF0C3F0}" type="presParOf" srcId="{3902C4F5-A956-8E43-86CB-5AEC3C829082}" destId="{D7C20547-ED88-6C48-A5B1-1B126D618CFE}" srcOrd="0" destOrd="0" presId="urn:microsoft.com/office/officeart/2005/8/layout/vList3"/>
+    <dgm:cxn modelId="{4B38DA24-C92C-7144-848A-C12F26C8F3E3}" type="presParOf" srcId="{3902C4F5-A956-8E43-86CB-5AEC3C829082}" destId="{309DE29C-AEFF-6E47-8590-84302C6FE262}" srcOrd="1" destOrd="0" presId="urn:microsoft.com/office/officeart/2005/8/layout/vList3"/>
+    <dgm:cxn modelId="{FA2AF8F7-246E-E145-A177-F439082A90A2}" type="presParOf" srcId="{10524EA1-5810-2E46-B6C6-5BF9A5FCF147}" destId="{ADF0E785-7681-8845-969A-969EA686BE90}" srcOrd="1" destOrd="0" presId="urn:microsoft.com/office/officeart/2005/8/layout/vList3"/>
+    <dgm:cxn modelId="{1D60BBEF-093C-6C4B-8BB9-4189DB7A2522}" type="presParOf" srcId="{10524EA1-5810-2E46-B6C6-5BF9A5FCF147}" destId="{29B08DD4-62CD-AA49-864A-99E25B7D56C0}" srcOrd="2" destOrd="0" presId="urn:microsoft.com/office/officeart/2005/8/layout/vList3"/>
+    <dgm:cxn modelId="{AB1AAAEA-BCCD-414F-9B25-D09E31250A4D}" type="presParOf" srcId="{29B08DD4-62CD-AA49-864A-99E25B7D56C0}" destId="{DC967554-EEB5-4E46-B753-6BB1872107FF}" srcOrd="0" destOrd="0" presId="urn:microsoft.com/office/officeart/2005/8/layout/vList3"/>
+    <dgm:cxn modelId="{9F80BD4A-9563-134E-A65C-0ABAA233C86B}" type="presParOf" srcId="{29B08DD4-62CD-AA49-864A-99E25B7D56C0}" destId="{E6626407-193B-4743-997B-3C979A505EE9}" srcOrd="1" destOrd="0" presId="urn:microsoft.com/office/officeart/2005/8/layout/vList3"/>
+    <dgm:cxn modelId="{9AB088CB-2675-3E45-975F-5E7E56A7CF09}" type="presParOf" srcId="{10524EA1-5810-2E46-B6C6-5BF9A5FCF147}" destId="{60425AE3-AEEF-AA4B-AD87-C225A5E0F6CA}" srcOrd="3" destOrd="0" presId="urn:microsoft.com/office/officeart/2005/8/layout/vList3"/>
+    <dgm:cxn modelId="{2CAB9B1E-5EF1-EE42-BB1F-98BF0A9B9584}" type="presParOf" srcId="{10524EA1-5810-2E46-B6C6-5BF9A5FCF147}" destId="{660F52E5-C6BD-3D4E-8BDF-BFDF09B3D094}" srcOrd="4" destOrd="0" presId="urn:microsoft.com/office/officeart/2005/8/layout/vList3"/>
+    <dgm:cxn modelId="{3DDB000C-4199-6C42-A05C-1CEBC5081A3F}" type="presParOf" srcId="{660F52E5-C6BD-3D4E-8BDF-BFDF09B3D094}" destId="{EFBE2ECB-C5C7-FF40-9ED4-A57BD890D7B4}" srcOrd="0" destOrd="0" presId="urn:microsoft.com/office/officeart/2005/8/layout/vList3"/>
+    <dgm:cxn modelId="{96AF790D-18AB-844D-A024-013489D6CB52}" type="presParOf" srcId="{660F52E5-C6BD-3D4E-8BDF-BFDF09B3D094}" destId="{73EEBA30-949B-1044-B8C2-792CA265B992}" srcOrd="1" destOrd="0" presId="urn:microsoft.com/office/officeart/2005/8/layout/vList3"/>
+    <dgm:cxn modelId="{49BE37AA-83D3-034F-9767-8C3F44F311B2}" type="presParOf" srcId="{10524EA1-5810-2E46-B6C6-5BF9A5FCF147}" destId="{7B2E4019-2E89-214D-8AF5-6E32396FFFBA}" srcOrd="5" destOrd="0" presId="urn:microsoft.com/office/officeart/2005/8/layout/vList3"/>
+    <dgm:cxn modelId="{1A3737DC-7512-9745-BD5C-C8D70C1F6EB5}" type="presParOf" srcId="{10524EA1-5810-2E46-B6C6-5BF9A5FCF147}" destId="{1B679FE9-745D-4645-8113-9767CE4F8FAA}" srcOrd="6" destOrd="0" presId="urn:microsoft.com/office/officeart/2005/8/layout/vList3"/>
+    <dgm:cxn modelId="{18A2EF17-4155-F041-92E9-18E08718A208}" type="presParOf" srcId="{1B679FE9-745D-4645-8113-9767CE4F8FAA}" destId="{54BC89FE-3A3D-374E-8248-25C3DA0CE22E}" srcOrd="0" destOrd="0" presId="urn:microsoft.com/office/officeart/2005/8/layout/vList3"/>
+    <dgm:cxn modelId="{281F033C-6727-DB46-A871-A8883532F5A0}" type="presParOf" srcId="{1B679FE9-745D-4645-8113-9767CE4F8FAA}" destId="{0E097001-B1F9-7049-A958-ACC1A14D5D08}" srcOrd="1" destOrd="0" presId="urn:microsoft.com/office/officeart/2005/8/layout/vList3"/>
+  </dgm:cxnLst>
+  <dgm:bg/>
+  <dgm:whole/>
+  <dgm:extLst>
+    <a:ext uri="http://schemas.microsoft.com/office/drawing/2008/diagram">
+      <dsp:dataModelExt xmlns:dsp="http://schemas.microsoft.com/office/drawing/2008/diagram" relId="rId7" minVer="http://schemas.openxmlformats.org/drawingml/2006/diagram"/>
+    </a:ext>
+  </dgm:extLst>
+</dgm:dataModel>
+</file>
+
+<file path=ppt/diagrams/drawing1.xml><?xml version="1.0" encoding="utf-8"?>
+<dsp:drawing xmlns:dgm="http://schemas.openxmlformats.org/drawingml/2006/diagram" xmlns:dsp="http://schemas.microsoft.com/office/drawing/2008/diagram" xmlns:a="http://schemas.openxmlformats.org/drawingml/2006/main">
+  <dsp:spTree>
+    <dsp:nvGrpSpPr>
+      <dsp:cNvPr id="0" name=""/>
+      <dsp:cNvGrpSpPr/>
+    </dsp:nvGrpSpPr>
+    <dsp:grpSpPr/>
+    <dsp:sp modelId="{309DE29C-AEFF-6E47-8590-84302C6FE262}">
+      <dsp:nvSpPr>
+        <dsp:cNvPr id="0" name=""/>
+        <dsp:cNvSpPr/>
+      </dsp:nvSpPr>
+      <dsp:spPr>
+        <a:xfrm rot="10800000">
+          <a:off x="1983253" y="3129"/>
+          <a:ext cx="6992874" cy="887561"/>
+        </a:xfrm>
+        <a:prstGeom prst="homePlate">
+          <a:avLst/>
+        </a:prstGeom>
+        <a:solidFill>
+          <a:schemeClr val="accent1">
+            <a:hueOff val="0"/>
+            <a:satOff val="0"/>
+            <a:lumOff val="0"/>
+            <a:alphaOff val="0"/>
+          </a:schemeClr>
+        </a:solidFill>
+        <a:ln w="12700" cap="flat" cmpd="sng" algn="ctr">
+          <a:solidFill>
+            <a:schemeClr val="lt1">
+              <a:hueOff val="0"/>
+              <a:satOff val="0"/>
+              <a:lumOff val="0"/>
+              <a:alphaOff val="0"/>
+            </a:schemeClr>
+          </a:solidFill>
+          <a:prstDash val="solid"/>
+          <a:miter lim="800000"/>
+        </a:ln>
+        <a:effectLst/>
+      </dsp:spPr>
+      <dsp:style>
+        <a:lnRef idx="2">
+          <a:scrgbClr r="0" g="0" b="0"/>
+        </a:lnRef>
+        <a:fillRef idx="1">
+          <a:scrgbClr r="0" g="0" b="0"/>
+        </a:fillRef>
+        <a:effectRef idx="0">
+          <a:scrgbClr r="0" g="0" b="0"/>
+        </a:effectRef>
+        <a:fontRef idx="minor">
+          <a:schemeClr val="lt1"/>
+        </a:fontRef>
+      </dsp:style>
+      <dsp:txBody>
+        <a:bodyPr spcFirstLastPara="0" vert="horz" wrap="square" lIns="391390" tIns="156210" rIns="291592" bIns="156210" numCol="1" spcCol="1270" anchor="ctr" anchorCtr="0">
+          <a:noAutofit/>
+        </a:bodyPr>
+        <a:lstStyle/>
+        <a:p>
+          <a:pPr marL="0" lvl="0" indent="0" algn="ctr" defTabSz="1822450">
+            <a:lnSpc>
+              <a:spcPct val="90000"/>
+            </a:lnSpc>
+            <a:spcBef>
+              <a:spcPct val="0"/>
+            </a:spcBef>
+            <a:spcAft>
+              <a:spcPct val="35000"/>
+            </a:spcAft>
+            <a:buNone/>
+          </a:pPr>
+          <a:r>
+            <a:rPr lang="en-US" sz="4100" kern="1200" dirty="0"/>
+            <a:t>Current Stats</a:t>
+          </a:r>
+        </a:p>
+      </dsp:txBody>
+      <dsp:txXfrm rot="10800000">
+        <a:off x="2205143" y="3129"/>
+        <a:ext cx="6770984" cy="887561"/>
+      </dsp:txXfrm>
+    </dsp:sp>
+    <dsp:sp modelId="{D7C20547-ED88-6C48-A5B1-1B126D618CFE}">
+      <dsp:nvSpPr>
+        <dsp:cNvPr id="0" name=""/>
+        <dsp:cNvSpPr/>
+      </dsp:nvSpPr>
+      <dsp:spPr>
+        <a:xfrm>
+          <a:off x="1539472" y="3129"/>
+          <a:ext cx="887561" cy="887561"/>
+        </a:xfrm>
+        <a:prstGeom prst="ellipse">
+          <a:avLst/>
+        </a:prstGeom>
+        <a:blipFill>
+          <a:blip xmlns:r="http://schemas.openxmlformats.org/officeDocument/2006/relationships" r:embed="rId1">
+            <a:extLst>
+              <a:ext uri="{28A0092B-C50C-407E-A947-70E740481C1C}">
+                <a14:useLocalDpi xmlns:a14="http://schemas.microsoft.com/office/drawing/2010/main" val="0"/>
+              </a:ext>
+            </a:extLst>
+          </a:blip>
+          <a:srcRect/>
+          <a:stretch>
+            <a:fillRect l="-16000" r="-16000"/>
+          </a:stretch>
+        </a:blipFill>
+        <a:ln w="12700" cap="flat" cmpd="sng" algn="ctr">
+          <a:solidFill>
+            <a:schemeClr val="lt1">
+              <a:hueOff val="0"/>
+              <a:satOff val="0"/>
+              <a:lumOff val="0"/>
+              <a:alphaOff val="0"/>
+            </a:schemeClr>
+          </a:solidFill>
+          <a:prstDash val="solid"/>
+          <a:miter lim="800000"/>
+        </a:ln>
+        <a:effectLst/>
+      </dsp:spPr>
+      <dsp:style>
+        <a:lnRef idx="2">
+          <a:scrgbClr r="0" g="0" b="0"/>
+        </a:lnRef>
+        <a:fillRef idx="1">
+          <a:scrgbClr r="0" g="0" b="0"/>
+        </a:fillRef>
+        <a:effectRef idx="0">
+          <a:scrgbClr r="0" g="0" b="0"/>
+        </a:effectRef>
+        <a:fontRef idx="minor"/>
+      </dsp:style>
+    </dsp:sp>
+    <dsp:sp modelId="{E6626407-193B-4743-997B-3C979A505EE9}">
+      <dsp:nvSpPr>
+        <dsp:cNvPr id="0" name=""/>
+        <dsp:cNvSpPr/>
+      </dsp:nvSpPr>
+      <dsp:spPr>
+        <a:xfrm rot="10800000">
+          <a:off x="1983253" y="1155635"/>
+          <a:ext cx="6992874" cy="887561"/>
+        </a:xfrm>
+        <a:prstGeom prst="homePlate">
+          <a:avLst/>
+        </a:prstGeom>
+        <a:solidFill>
+          <a:schemeClr val="accent1">
+            <a:hueOff val="0"/>
+            <a:satOff val="0"/>
+            <a:lumOff val="0"/>
+            <a:alphaOff val="0"/>
+          </a:schemeClr>
+        </a:solidFill>
+        <a:ln w="12700" cap="flat" cmpd="sng" algn="ctr">
+          <a:solidFill>
+            <a:schemeClr val="lt1">
+              <a:hueOff val="0"/>
+              <a:satOff val="0"/>
+              <a:lumOff val="0"/>
+              <a:alphaOff val="0"/>
+            </a:schemeClr>
+          </a:solidFill>
+          <a:prstDash val="solid"/>
+          <a:miter lim="800000"/>
+        </a:ln>
+        <a:effectLst/>
+      </dsp:spPr>
+      <dsp:style>
+        <a:lnRef idx="2">
+          <a:scrgbClr r="0" g="0" b="0"/>
+        </a:lnRef>
+        <a:fillRef idx="1">
+          <a:scrgbClr r="0" g="0" b="0"/>
+        </a:fillRef>
+        <a:effectRef idx="0">
+          <a:scrgbClr r="0" g="0" b="0"/>
+        </a:effectRef>
+        <a:fontRef idx="minor">
+          <a:schemeClr val="lt1"/>
+        </a:fontRef>
+      </dsp:style>
+      <dsp:txBody>
+        <a:bodyPr spcFirstLastPara="0" vert="horz" wrap="square" lIns="391390" tIns="156210" rIns="291592" bIns="156210" numCol="1" spcCol="1270" anchor="ctr" anchorCtr="0">
+          <a:noAutofit/>
+        </a:bodyPr>
+        <a:lstStyle/>
+        <a:p>
+          <a:pPr marL="0" lvl="0" indent="0" algn="ctr" defTabSz="1822450">
+            <a:lnSpc>
+              <a:spcPct val="90000"/>
+            </a:lnSpc>
+            <a:spcBef>
+              <a:spcPct val="0"/>
+            </a:spcBef>
+            <a:spcAft>
+              <a:spcPct val="35000"/>
+            </a:spcAft>
+            <a:buNone/>
+          </a:pPr>
+          <a:r>
+            <a:rPr lang="en-US" sz="4100" kern="1200" dirty="0"/>
+            <a:t>Historical Trends</a:t>
+          </a:r>
+        </a:p>
+      </dsp:txBody>
+      <dsp:txXfrm rot="10800000">
+        <a:off x="2205143" y="1155635"/>
+        <a:ext cx="6770984" cy="887561"/>
+      </dsp:txXfrm>
+    </dsp:sp>
+    <dsp:sp modelId="{DC967554-EEB5-4E46-B753-6BB1872107FF}">
+      <dsp:nvSpPr>
+        <dsp:cNvPr id="0" name=""/>
+        <dsp:cNvSpPr/>
+      </dsp:nvSpPr>
+      <dsp:spPr>
+        <a:xfrm>
+          <a:off x="1539472" y="1155635"/>
+          <a:ext cx="887561" cy="887561"/>
+        </a:xfrm>
+        <a:prstGeom prst="ellipse">
+          <a:avLst/>
+        </a:prstGeom>
+        <a:solidFill>
+          <a:schemeClr val="accent1">
+            <a:tint val="50000"/>
+            <a:hueOff val="0"/>
+            <a:satOff val="0"/>
+            <a:lumOff val="0"/>
+            <a:alphaOff val="0"/>
+          </a:schemeClr>
+        </a:solidFill>
+        <a:ln w="12700" cap="flat" cmpd="sng" algn="ctr">
+          <a:solidFill>
+            <a:schemeClr val="lt1">
+              <a:hueOff val="0"/>
+              <a:satOff val="0"/>
+              <a:lumOff val="0"/>
+              <a:alphaOff val="0"/>
+            </a:schemeClr>
+          </a:solidFill>
+          <a:prstDash val="solid"/>
+          <a:miter lim="800000"/>
+        </a:ln>
+        <a:effectLst/>
+      </dsp:spPr>
+      <dsp:style>
+        <a:lnRef idx="2">
+          <a:scrgbClr r="0" g="0" b="0"/>
+        </a:lnRef>
+        <a:fillRef idx="1">
+          <a:scrgbClr r="0" g="0" b="0"/>
+        </a:fillRef>
+        <a:effectRef idx="0">
+          <a:scrgbClr r="0" g="0" b="0"/>
+        </a:effectRef>
+        <a:fontRef idx="minor"/>
+      </dsp:style>
+    </dsp:sp>
+    <dsp:sp modelId="{73EEBA30-949B-1044-B8C2-792CA265B992}">
+      <dsp:nvSpPr>
+        <dsp:cNvPr id="0" name=""/>
+        <dsp:cNvSpPr/>
+      </dsp:nvSpPr>
+      <dsp:spPr>
+        <a:xfrm rot="10800000">
+          <a:off x="1983253" y="2308140"/>
+          <a:ext cx="6992874" cy="887561"/>
+        </a:xfrm>
+        <a:prstGeom prst="homePlate">
+          <a:avLst/>
+        </a:prstGeom>
+        <a:solidFill>
+          <a:schemeClr val="accent1">
+            <a:hueOff val="0"/>
+            <a:satOff val="0"/>
+            <a:lumOff val="0"/>
+            <a:alphaOff val="0"/>
+          </a:schemeClr>
+        </a:solidFill>
+        <a:ln w="12700" cap="flat" cmpd="sng" algn="ctr">
+          <a:solidFill>
+            <a:schemeClr val="lt1">
+              <a:hueOff val="0"/>
+              <a:satOff val="0"/>
+              <a:lumOff val="0"/>
+              <a:alphaOff val="0"/>
+            </a:schemeClr>
+          </a:solidFill>
+          <a:prstDash val="solid"/>
+          <a:miter lim="800000"/>
+        </a:ln>
+        <a:effectLst/>
+      </dsp:spPr>
+      <dsp:style>
+        <a:lnRef idx="2">
+          <a:scrgbClr r="0" g="0" b="0"/>
+        </a:lnRef>
+        <a:fillRef idx="1">
+          <a:scrgbClr r="0" g="0" b="0"/>
+        </a:fillRef>
+        <a:effectRef idx="0">
+          <a:scrgbClr r="0" g="0" b="0"/>
+        </a:effectRef>
+        <a:fontRef idx="minor">
+          <a:schemeClr val="lt1"/>
+        </a:fontRef>
+      </dsp:style>
+      <dsp:txBody>
+        <a:bodyPr spcFirstLastPara="0" vert="horz" wrap="square" lIns="391390" tIns="156210" rIns="291592" bIns="156210" numCol="1" spcCol="1270" anchor="ctr" anchorCtr="0">
+          <a:noAutofit/>
+        </a:bodyPr>
+        <a:lstStyle/>
+        <a:p>
+          <a:pPr marL="0" lvl="0" indent="0" algn="ctr" defTabSz="1822450">
+            <a:lnSpc>
+              <a:spcPct val="90000"/>
+            </a:lnSpc>
+            <a:spcBef>
+              <a:spcPct val="0"/>
+            </a:spcBef>
+            <a:spcAft>
+              <a:spcPct val="35000"/>
+            </a:spcAft>
+            <a:buNone/>
+          </a:pPr>
+          <a:r>
+            <a:rPr lang="en-US" sz="4100" kern="1200" dirty="0"/>
+            <a:t>Challenges</a:t>
+          </a:r>
+        </a:p>
+      </dsp:txBody>
+      <dsp:txXfrm rot="10800000">
+        <a:off x="2205143" y="2308140"/>
+        <a:ext cx="6770984" cy="887561"/>
+      </dsp:txXfrm>
+    </dsp:sp>
+    <dsp:sp modelId="{EFBE2ECB-C5C7-FF40-9ED4-A57BD890D7B4}">
+      <dsp:nvSpPr>
+        <dsp:cNvPr id="0" name=""/>
+        <dsp:cNvSpPr/>
+      </dsp:nvSpPr>
+      <dsp:spPr>
+        <a:xfrm>
+          <a:off x="1539472" y="2308140"/>
+          <a:ext cx="887561" cy="887561"/>
+        </a:xfrm>
+        <a:prstGeom prst="ellipse">
+          <a:avLst/>
+        </a:prstGeom>
+        <a:solidFill>
+          <a:schemeClr val="accent1">
+            <a:tint val="50000"/>
+            <a:hueOff val="0"/>
+            <a:satOff val="0"/>
+            <a:lumOff val="0"/>
+            <a:alphaOff val="0"/>
+          </a:schemeClr>
+        </a:solidFill>
+        <a:ln w="12700" cap="flat" cmpd="sng" algn="ctr">
+          <a:solidFill>
+            <a:schemeClr val="lt1">
+              <a:hueOff val="0"/>
+              <a:satOff val="0"/>
+              <a:lumOff val="0"/>
+              <a:alphaOff val="0"/>
+            </a:schemeClr>
+          </a:solidFill>
+          <a:prstDash val="solid"/>
+          <a:miter lim="800000"/>
+        </a:ln>
+        <a:effectLst/>
+      </dsp:spPr>
+      <dsp:style>
+        <a:lnRef idx="2">
+          <a:scrgbClr r="0" g="0" b="0"/>
+        </a:lnRef>
+        <a:fillRef idx="1">
+          <a:scrgbClr r="0" g="0" b="0"/>
+        </a:fillRef>
+        <a:effectRef idx="0">
+          <a:scrgbClr r="0" g="0" b="0"/>
+        </a:effectRef>
+        <a:fontRef idx="minor"/>
+      </dsp:style>
+    </dsp:sp>
+    <dsp:sp modelId="{0E097001-B1F9-7049-A958-ACC1A14D5D08}">
+      <dsp:nvSpPr>
+        <dsp:cNvPr id="0" name=""/>
+        <dsp:cNvSpPr/>
+      </dsp:nvSpPr>
+      <dsp:spPr>
+        <a:xfrm rot="10800000">
+          <a:off x="1983253" y="3460646"/>
+          <a:ext cx="6992874" cy="887561"/>
+        </a:xfrm>
+        <a:prstGeom prst="homePlate">
+          <a:avLst/>
+        </a:prstGeom>
+        <a:solidFill>
+          <a:schemeClr val="accent1">
+            <a:hueOff val="0"/>
+            <a:satOff val="0"/>
+            <a:lumOff val="0"/>
+            <a:alphaOff val="0"/>
+          </a:schemeClr>
+        </a:solidFill>
+        <a:ln w="12700" cap="flat" cmpd="sng" algn="ctr">
+          <a:solidFill>
+            <a:schemeClr val="lt1">
+              <a:hueOff val="0"/>
+              <a:satOff val="0"/>
+              <a:lumOff val="0"/>
+              <a:alphaOff val="0"/>
+            </a:schemeClr>
+          </a:solidFill>
+          <a:prstDash val="solid"/>
+          <a:miter lim="800000"/>
+        </a:ln>
+        <a:effectLst/>
+      </dsp:spPr>
+      <dsp:style>
+        <a:lnRef idx="2">
+          <a:scrgbClr r="0" g="0" b="0"/>
+        </a:lnRef>
+        <a:fillRef idx="1">
+          <a:scrgbClr r="0" g="0" b="0"/>
+        </a:fillRef>
+        <a:effectRef idx="0">
+          <a:scrgbClr r="0" g="0" b="0"/>
+        </a:effectRef>
+        <a:fontRef idx="minor">
+          <a:schemeClr val="lt1"/>
+        </a:fontRef>
+      </dsp:style>
+      <dsp:txBody>
+        <a:bodyPr spcFirstLastPara="0" vert="horz" wrap="square" lIns="391390" tIns="156210" rIns="291592" bIns="156210" numCol="1" spcCol="1270" anchor="ctr" anchorCtr="0">
+          <a:noAutofit/>
+        </a:bodyPr>
+        <a:lstStyle/>
+        <a:p>
+          <a:pPr marL="0" lvl="0" indent="0" algn="ctr" defTabSz="1822450">
+            <a:lnSpc>
+              <a:spcPct val="90000"/>
+            </a:lnSpc>
+            <a:spcBef>
+              <a:spcPct val="0"/>
+            </a:spcBef>
+            <a:spcAft>
+              <a:spcPct val="35000"/>
+            </a:spcAft>
+            <a:buNone/>
+          </a:pPr>
+          <a:r>
+            <a:rPr lang="en-US" sz="4100" kern="1200" dirty="0"/>
+            <a:t>Locations</a:t>
+          </a:r>
+        </a:p>
+      </dsp:txBody>
+      <dsp:txXfrm rot="10800000">
+        <a:off x="2205143" y="3460646"/>
+        <a:ext cx="6770984" cy="887561"/>
+      </dsp:txXfrm>
+    </dsp:sp>
+    <dsp:sp modelId="{54BC89FE-3A3D-374E-8248-25C3DA0CE22E}">
+      <dsp:nvSpPr>
+        <dsp:cNvPr id="0" name=""/>
+        <dsp:cNvSpPr/>
+      </dsp:nvSpPr>
+      <dsp:spPr>
+        <a:xfrm>
+          <a:off x="1539472" y="3460646"/>
+          <a:ext cx="887561" cy="887561"/>
+        </a:xfrm>
+        <a:prstGeom prst="ellipse">
+          <a:avLst/>
+        </a:prstGeom>
+        <a:solidFill>
+          <a:schemeClr val="accent1">
+            <a:tint val="50000"/>
+            <a:hueOff val="0"/>
+            <a:satOff val="0"/>
+            <a:lumOff val="0"/>
+            <a:alphaOff val="0"/>
+          </a:schemeClr>
+        </a:solidFill>
+        <a:ln w="12700" cap="flat" cmpd="sng" algn="ctr">
+          <a:solidFill>
+            <a:schemeClr val="lt1">
+              <a:hueOff val="0"/>
+              <a:satOff val="0"/>
+              <a:lumOff val="0"/>
+              <a:alphaOff val="0"/>
+            </a:schemeClr>
+          </a:solidFill>
+          <a:prstDash val="solid"/>
+          <a:miter lim="800000"/>
+        </a:ln>
+        <a:effectLst/>
+      </dsp:spPr>
+      <dsp:style>
+        <a:lnRef idx="2">
+          <a:scrgbClr r="0" g="0" b="0"/>
+        </a:lnRef>
+        <a:fillRef idx="1">
+          <a:scrgbClr r="0" g="0" b="0"/>
+        </a:fillRef>
+        <a:effectRef idx="0">
+          <a:scrgbClr r="0" g="0" b="0"/>
+        </a:effectRef>
+        <a:fontRef idx="minor"/>
+      </dsp:style>
+    </dsp:sp>
+  </dsp:spTree>
+</dsp:drawing>
+</file>
+
+<file path=ppt/diagrams/layout1.xml><?xml version="1.0" encoding="utf-8"?>
+<dgm:layoutDef xmlns:dgm="http://schemas.openxmlformats.org/drawingml/2006/diagram" xmlns:a="http://schemas.openxmlformats.org/drawingml/2006/main" uniqueId="urn:microsoft.com/office/officeart/2005/8/layout/vList3">
+  <dgm:title val=""/>
+  <dgm:desc val=""/>
+  <dgm:catLst>
+    <dgm:cat type="list" pri="14000"/>
+    <dgm:cat type="convert" pri="3000"/>
+    <dgm:cat type="picture" pri="27000"/>
+    <dgm:cat type="pictureconvert" pri="27000"/>
+  </dgm:catLst>
+  <dgm:sampData useDef="1">
+    <dgm:dataModel>
+      <dgm:ptLst/>
+      <dgm:bg/>
+      <dgm:whole/>
+    </dgm:dataModel>
+  </dgm:sampData>
+  <dgm:styleData>
+    <dgm:dataModel>
+      <dgm:ptLst>
+        <dgm:pt modelId="0" type="doc"/>
+        <dgm:pt modelId="1"/>
+        <dgm:pt modelId="2"/>
+      </dgm:ptLst>
+      <dgm:cxnLst>
+        <dgm:cxn modelId="3" srcId="0" destId="1" srcOrd="0" destOrd="0"/>
+        <dgm:cxn modelId="4" srcId="0" destId="2" srcOrd="1" destOrd="0"/>
+      </dgm:cxnLst>
+      <dgm:bg/>
+      <dgm:whole/>
+    </dgm:dataModel>
+  </dgm:styleData>
+  <dgm:clrData>
+    <dgm:dataModel>
+      <dgm:ptLst>
+        <dgm:pt modelId="0" type="doc"/>
+        <dgm:pt modelId="1"/>
+        <dgm:pt modelId="2"/>
+        <dgm:pt modelId="3"/>
+        <dgm:pt modelId="4"/>
+      </dgm:ptLst>
+      <dgm:cxnLst>
+        <dgm:cxn modelId="5" srcId="0" destId="1" srcOrd="0" destOrd="0"/>
+        <dgm:cxn modelId="6" srcId="0" destId="2" srcOrd="1" destOrd="0"/>
+        <dgm:cxn modelId="7" srcId="0" destId="3" srcOrd="2" destOrd="0"/>
+        <dgm:cxn modelId="8" srcId="0" destId="4" srcOrd="3" destOrd="0"/>
+      </dgm:cxnLst>
+      <dgm:bg/>
+      <dgm:whole/>
+    </dgm:dataModel>
+  </dgm:clrData>
+  <dgm:layoutNode name="linearFlow">
+    <dgm:varLst>
+      <dgm:dir/>
+      <dgm:resizeHandles val="exact"/>
+    </dgm:varLst>
+    <dgm:alg type="lin">
+      <dgm:param type="linDir" val="fromT"/>
+      <dgm:param type="vertAlign" val="mid"/>
+      <dgm:param type="horzAlign" val="ctr"/>
+    </dgm:alg>
+    <dgm:shape xmlns:r="http://schemas.openxmlformats.org/officeDocument/2006/relationships" r:blip="">
+      <dgm:adjLst/>
+    </dgm:shape>
+    <dgm:presOf/>
+    <dgm:constrLst>
+      <dgm:constr type="w" for="ch" forName="composite" refType="w"/>
+      <dgm:constr type="h" for="ch" forName="composite" refType="h"/>
+      <dgm:constr type="h" for="ch" forName="spacing" refType="h" refFor="ch" refForName="composite" fact="0.25"/>
+      <dgm:constr type="h" for="ch" forName="spacing" refType="w" op="lte" fact="0.1"/>
+      <dgm:constr type="primFontSz" for="des" ptType="node" op="equ" val="65"/>
+    </dgm:constrLst>
+    <dgm:ruleLst/>
+    <dgm:forEach name="Name0" axis="ch" ptType="node">
+      <dgm:layoutNode name="composite">
+        <dgm:alg type="composite"/>
+        <dgm:shape xmlns:r="http://schemas.openxmlformats.org/officeDocument/2006/relationships" r:blip="">
+          <dgm:adjLst/>
+        </dgm:shape>
+        <dgm:presOf/>
+        <dgm:choose name="Name1">
+          <dgm:if name="Name2" func="var" arg="dir" op="equ" val="norm">
+            <dgm:constrLst>
+              <dgm:constr type="w" for="ch" forName="imgShp" refType="w" fact="0.335"/>
+              <dgm:constr type="h" for="ch" forName="imgShp" refType="w" refFor="ch" refForName="imgShp" op="equ"/>
+              <dgm:constr type="h" for="ch" forName="imgShp" refType="h" op="lte"/>
+              <dgm:constr type="ctrY" for="ch" forName="imgShp" refType="h" fact="0.5"/>
+              <dgm:constr type="l" for="ch" forName="imgShp"/>
+              <dgm:constr type="w" for="ch" forName="txShp" refType="w" op="equ" fact="0.665"/>
+              <dgm:constr type="h" for="ch" forName="txShp" refType="h" refFor="ch" refForName="imgShp" op="equ"/>
+              <dgm:constr type="ctrY" for="ch" forName="txShp" refType="h" fact="0.5"/>
+              <dgm:constr type="l" for="ch" forName="txShp" refType="w" refFor="ch" refForName="imgShp" fact="0.5"/>
+              <dgm:constr type="lMarg" for="ch" forName="txShp" refType="w" refFor="ch" refForName="imgShp" fact="1.25"/>
+            </dgm:constrLst>
+          </dgm:if>
+          <dgm:else name="Name3">
+            <dgm:constrLst>
+              <dgm:constr type="w" for="ch" forName="imgShp" refType="w" fact="0.335"/>
+              <dgm:constr type="h" for="ch" forName="imgShp" refType="w" refFor="ch" refForName="imgShp" op="equ"/>
+              <dgm:constr type="h" for="ch" forName="imgShp" refType="h" op="lte"/>
+              <dgm:constr type="ctrY" for="ch" forName="imgShp" refType="h" fact="0.5"/>
+              <dgm:constr type="r" for="ch" forName="imgShp" refType="w"/>
+              <dgm:constr type="w" for="ch" forName="txShp" refType="w" op="equ" fact="0.665"/>
+              <dgm:constr type="h" for="ch" forName="txShp" refType="h" refFor="ch" refForName="imgShp" op="equ"/>
+              <dgm:constr type="ctrY" for="ch" forName="txShp" refType="h" fact="0.5"/>
+              <dgm:constr type="r" for="ch" forName="txShp" refType="ctrX" refFor="ch" refForName="imgShp"/>
+              <dgm:constr type="rMarg" for="ch" forName="txShp" refType="w" refFor="ch" refForName="imgShp" fact="1.25"/>
+            </dgm:constrLst>
+          </dgm:else>
+        </dgm:choose>
+        <dgm:ruleLst/>
+        <dgm:layoutNode name="imgShp" styleLbl="fgImgPlace1">
+          <dgm:alg type="sp"/>
+          <dgm:shape xmlns:r="http://schemas.openxmlformats.org/officeDocument/2006/relationships" type="ellipse" r:blip="" blipPhldr="1">
+            <dgm:adjLst/>
+          </dgm:shape>
+          <dgm:presOf/>
+          <dgm:constrLst/>
+          <dgm:ruleLst/>
+        </dgm:layoutNode>
+        <dgm:layoutNode name="txShp">
+          <dgm:varLst>
+            <dgm:bulletEnabled val="1"/>
+          </dgm:varLst>
+          <dgm:alg type="tx"/>
+          <dgm:choose name="Name4">
+            <dgm:if name="Name5" func="var" arg="dir" op="equ" val="norm">
+              <dgm:shape xmlns:r="http://schemas.openxmlformats.org/officeDocument/2006/relationships" rot="180" type="homePlate" r:blip="" zOrderOff="-1">
+                <dgm:adjLst/>
+              </dgm:shape>
+            </dgm:if>
+            <dgm:else name="Name6">
+              <dgm:shape xmlns:r="http://schemas.openxmlformats.org/officeDocument/2006/relationships" type="homePlate" r:blip="" zOrderOff="-1">
+                <dgm:adjLst/>
+              </dgm:shape>
+            </dgm:else>
+          </dgm:choose>
+          <dgm:presOf axis="desOrSelf" ptType="node"/>
+          <dgm:constrLst>
+            <dgm:constr type="tMarg" refType="primFontSz" fact="0.3"/>
+            <dgm:constr type="bMarg" refType="primFontSz" fact="0.3"/>
+          </dgm:constrLst>
+          <dgm:ruleLst>
+            <dgm:rule type="primFontSz" val="5" fact="NaN" max="NaN"/>
+          </dgm:ruleLst>
+        </dgm:layoutNode>
+      </dgm:layoutNode>
+      <dgm:forEach name="Name7" axis="followSib" ptType="sibTrans" cnt="1">
+        <dgm:layoutNode name="spacing">
+          <dgm:alg type="sp"/>
+          <dgm:shape xmlns:r="http://schemas.openxmlformats.org/officeDocument/2006/relationships" r:blip="">
+            <dgm:adjLst/>
+          </dgm:shape>
+          <dgm:presOf axis="self"/>
+          <dgm:constrLst/>
+          <dgm:ruleLst/>
+        </dgm:layoutNode>
+      </dgm:forEach>
+    </dgm:forEach>
+  </dgm:layoutNode>
+</dgm:layoutDef>
+</file>
+
+<file path=ppt/diagrams/quickStyle1.xml><?xml version="1.0" encoding="utf-8"?>
+<dgm:styleDef xmlns:dgm="http://schemas.openxmlformats.org/drawingml/2006/diagram" xmlns:a="http://schemas.openxmlformats.org/drawingml/2006/main" uniqueId="urn:microsoft.com/office/officeart/2005/8/quickstyle/simple1">
+  <dgm:title val=""/>
+  <dgm:desc val=""/>
+  <dgm:catLst>
+    <dgm:cat type="simple" pri="10100"/>
+  </dgm:catLst>
+  <dgm:scene3d>
+    <a:camera prst="orthographicFront"/>
+    <a:lightRig rig="threePt" dir="t"/>
+  </dgm:scene3d>
+  <dgm:styleLbl name="node0">
+    <dgm:scene3d>
+      <a:camera prst="orthographicFront"/>
+      <a:lightRig rig="threePt" dir="t"/>
+    </dgm:scene3d>
+    <dgm:sp3d/>
+    <dgm:txPr/>
+    <dgm:style>
+      <a:lnRef idx="2">
+        <a:scrgbClr r="0" g="0" b="0"/>
+      </a:lnRef>
+      <a:fillRef idx="1">
+        <a:scrgbClr r="0" g="0" b="0"/>
+      </a:fillRef>
+      <a:effectRef idx="0">
+        <a:scrgbClr r="0" g="0" b="0"/>
+      </a:effectRef>
+      <a:fontRef idx="minor">
+        <a:schemeClr val="lt1"/>
+      </a:fontRef>
+    </dgm:style>
+  </dgm:styleLbl>
+  <dgm:styleLbl name="lnNode1">
+    <dgm:scene3d>
+      <a:camera prst="orthographicFront"/>
+      <a:lightRig rig="threePt" dir="t"/>
+    </dgm:scene3d>
+    <dgm:sp3d/>
+    <dgm:txPr/>
+    <dgm:style>
+      <a:lnRef idx="2">
+        <a:scrgbClr r="0" g="0" b="0"/>
+      </a:lnRef>
+      <a:fillRef idx="1">
+        <a:scrgbClr r="0" g="0" b="0"/>
+      </a:fillRef>
+      <a:effectRef idx="0">
+        <a:scrgbClr r="0" g="0" b="0"/>
+      </a:effectRef>
+      <a:fontRef idx="minor">
+        <a:schemeClr val="lt1"/>
+      </a:fontRef>
+    </dgm:style>
+  </dgm:styleLbl>
+  <dgm:styleLbl name="vennNode1">
+    <dgm:scene3d>
+      <a:camera prst="orthographicFront"/>
+      <a:lightRig rig="threePt" dir="t"/>
+    </dgm:scene3d>
+    <dgm:sp3d/>
+    <dgm:txPr/>
+    <dgm:style>
+      <a:lnRef idx="2">
+        <a:scrgbClr r="0" g="0" b="0"/>
+      </a:lnRef>
+      <a:fillRef idx="1">
+        <a:scrgbClr r="0" g="0" b="0"/>
+      </a:fillRef>
+      <a:effectRef idx="0">
+        <a:scrgbClr r="0" g="0" b="0"/>
+      </a:effectRef>
+      <a:fontRef idx="minor">
+        <a:schemeClr val="tx1"/>
+      </a:fontRef>
+    </dgm:style>
+  </dgm:styleLbl>
+  <dgm:styleLbl name="alignNode1">
+    <dgm:scene3d>
+      <a:camera prst="orthographicFront"/>
+      <a:lightRig rig="threePt" dir="t"/>
+    </dgm:scene3d>
+    <dgm:sp3d/>
+    <dgm:txPr/>
+    <dgm:style>
+      <a:lnRef idx="2">
+        <a:scrgbClr r="0" g="0" b="0"/>
+      </a:lnRef>
+      <a:fillRef idx="1">
+        <a:scrgbClr r="0" g="0" b="0"/>
+      </a:fillRef>
+      <a:effectRef idx="0">
+        <a:scrgbClr r="0" g="0" b="0"/>
+      </a:effectRef>
+      <a:fontRef idx="minor">
+        <a:schemeClr val="lt1"/>
+      </a:fontRef>
+    </dgm:style>
+  </dgm:styleLbl>
+  <dgm:styleLbl name="node1">
+    <dgm:scene3d>
+      <a:camera prst="orthographicFront"/>
+      <a:lightRig rig="threePt" dir="t"/>
+    </dgm:scene3d>
+    <dgm:sp3d/>
+    <dgm:txPr/>
+    <dgm:style>
+      <a:lnRef idx="2">
+        <a:scrgbClr r="0" g="0" b="0"/>
+      </a:lnRef>
+      <a:fillRef idx="1">
+        <a:scrgbClr r="0" g="0" b="0"/>
+      </a:fillRef>
+      <a:effectRef idx="0">
+        <a:scrgbClr r="0" g="0" b="0"/>
+      </a:effectRef>
+      <a:fontRef idx="minor">
+        <a:schemeClr val="lt1"/>
+      </a:fontRef>
+    </dgm:style>
+  </dgm:styleLbl>
+  <dgm:styleLbl name="node2">
+    <dgm:scene3d>
+      <a:camera prst="orthographicFront"/>
+      <a:lightRig rig="threePt" dir="t"/>
+    </dgm:scene3d>
+    <dgm:sp3d/>
+    <dgm:txPr/>
+    <dgm:style>
+      <a:lnRef idx="2">
+        <a:scrgbClr r="0" g="0" b="0"/>
+      </a:lnRef>
+      <a:fillRef idx="1">
+        <a:scrgbClr r="0" g="0" b="0"/>
+      </a:fillRef>
+      <a:effectRef idx="0">
+        <a:scrgbClr r="0" g="0" b="0"/>
+      </a:effectRef>
+      <a:fontRef idx="minor">
+        <a:schemeClr val="lt1"/>
+      </a:fontRef>
+    </dgm:style>
+  </dgm:styleLbl>
+  <dgm:styleLbl name="node3">
+    <dgm:scene3d>
+      <a:camera prst="orthographicFront"/>
+      <a:lightRig rig="threePt" dir="t"/>
+    </dgm:scene3d>
+    <dgm:sp3d/>
+    <dgm:txPr/>
+    <dgm:style>
+      <a:lnRef idx="2">
+        <a:scrgbClr r="0" g="0" b="0"/>
+      </a:lnRef>
+      <a:fillRef idx="1">
+        <a:scrgbClr r="0" g="0" b="0"/>
+      </a:fillRef>
+      <a:effectRef idx="0">
+        <a:scrgbClr r="0" g="0" b="0"/>
+      </a:effectRef>
+      <a:fontRef idx="minor">
+        <a:schemeClr val="lt1"/>
+      </a:fontRef>
+    </dgm:style>
+  </dgm:styleLbl>
+  <dgm:styleLbl name="node4">
+    <dgm:scene3d>
+      <a:camera prst="orthographicFront"/>
+      <a:lightRig rig="threePt" dir="t"/>
+    </dgm:scene3d>
+    <dgm:sp3d/>
+    <dgm:txPr/>
+    <dgm:style>
+      <a:lnRef idx="2">
+        <a:scrgbClr r="0" g="0" b="0"/>
+      </a:lnRef>
+      <a:fillRef idx="1">
+        <a:scrgbClr r="0" g="0" b="0"/>
+      </a:fillRef>
+      <a:effectRef idx="0">
+        <a:scrgbClr r="0" g="0" b="0"/>
+      </a:effectRef>
+      <a:fontRef idx="minor">
+        <a:schemeClr val="lt1"/>
+      </a:fontRef>
+    </dgm:style>
+  </dgm:styleLbl>
+  <dgm:styleLbl name="fgImgPlace1">
+    <dgm:scene3d>
+      <a:camera prst="orthographicFront"/>
+      <a:lightRig rig="threePt" dir="t"/>
+    </dgm:scene3d>
+    <dgm:sp3d/>
+    <dgm:txPr/>
+    <dgm:style>
+      <a:lnRef idx="2">
+        <a:scrgbClr r="0" g="0" b="0"/>
+      </a:lnRef>
+      <a:fillRef idx="1">
+        <a:scrgbClr r="0" g="0" b="0"/>
+      </a:fillRef>
+      <a:effectRef idx="0">
+        <a:scrgbClr r="0" g="0" b="0"/>
+      </a:effectRef>
+      <a:fontRef idx="minor"/>
+    </dgm:style>
+  </dgm:styleLbl>
+  <dgm:styleLbl name="alignImgPlace1">
+    <dgm:scene3d>
+      <a:camera prst="orthographicFront"/>
+      <a:lightRig rig="threePt" dir="t"/>
+    </dgm:scene3d>
+    <dgm:sp3d/>
+    <dgm:txPr/>
+    <dgm:style>
+      <a:lnRef idx="2">
+        <a:scrgbClr r="0" g="0" b="0"/>
+      </a:lnRef>
+      <a:fillRef idx="1">
+        <a:scrgbClr r="0" g="0" b="0"/>
+      </a:fillRef>
+      <a:effectRef idx="0">
+        <a:scrgbClr r="0" g="0" b="0"/>
+      </a:effectRef>
+      <a:fontRef idx="minor"/>
+    </dgm:style>
+  </dgm:styleLbl>
+  <dgm:styleLbl name="bgImgPlace1">
+    <dgm:scene3d>
+      <a:camera prst="orthographicFront"/>
+      <a:lightRig rig="threePt" dir="t"/>
+    </dgm:scene3d>
+    <dgm:sp3d/>
+    <dgm:txPr/>
+    <dgm:style>
+      <a:lnRef idx="2">
+        <a:scrgbClr r="0" g="0" b="0"/>
+      </a:lnRef>
+      <a:fillRef idx="1">
+        <a:scrgbClr r="0" g="0" b="0"/>
+      </a:fillRef>
+      <a:effectRef idx="0">
+        <a:scrgbClr r="0" g="0" b="0"/>
+      </a:effectRef>
+      <a:fontRef idx="minor"/>
+    </dgm:style>
+  </dgm:styleLbl>
+  <dgm:styleLbl name="sibTrans2D1">
+    <dgm:scene3d>
+      <a:camera prst="orthographicFront"/>
+      <a:lightRig rig="threePt" dir="t"/>
+    </dgm:scene3d>
+    <dgm:sp3d/>
+    <dgm:txPr/>
+    <dgm:style>
+      <a:lnRef idx="0">
+        <a:scrgbClr r="0" g="0" b="0"/>
+      </a:lnRef>
+      <a:fillRef idx="1">
+        <a:scrgbClr r="0" g="0" b="0"/>
+      </a:fillRef>
+      <a:effectRef idx="0">
+        <a:scrgbClr r="0" g="0" b="0"/>
+      </a:effectRef>
+      <a:fontRef idx="minor">
+        <a:schemeClr val="lt1"/>
+      </a:fontRef>
+    </dgm:style>
+  </dgm:styleLbl>
+  <dgm:styleLbl name="fgSibTrans2D1">
+    <dgm:scene3d>
+      <a:camera prst="orthographicFront"/>
+      <a:lightRig rig="threePt" dir="t"/>
+    </dgm:scene3d>
+    <dgm:sp3d/>
+    <dgm:txPr/>
+    <dgm:style>
+      <a:lnRef idx="0">
+        <a:scrgbClr r="0" g="0" b="0"/>
+      </a:lnRef>
+      <a:fillRef idx="1">
+        <a:scrgbClr r="0" g="0" b="0"/>
+      </a:fillRef>
+      <a:effectRef idx="0">
+        <a:scrgbClr r="0" g="0" b="0"/>
+      </a:effectRef>
+      <a:fontRef idx="minor">
+        <a:schemeClr val="lt1"/>
+      </a:fontRef>
+    </dgm:style>
+  </dgm:styleLbl>
+  <dgm:styleLbl name="bgSibTrans2D1">
+    <dgm:scene3d>
+      <a:camera prst="orthographicFront"/>
+      <a:lightRig rig="threePt" dir="t"/>
+    </dgm:scene3d>
+    <dgm:sp3d/>
+    <dgm:txPr/>
+    <dgm:style>
+      <a:lnRef idx="0">
+        <a:scrgbClr r="0" g="0" b="0"/>
+      </a:lnRef>
+      <a:fillRef idx="1">
+        <a:scrgbClr r="0" g="0" b="0"/>
+      </a:fillRef>
+      <a:effectRef idx="0">
+        <a:scrgbClr r="0" g="0" b="0"/>
+      </a:effectRef>
+      <a:fontRef idx="minor">
+        <a:schemeClr val="lt1"/>
+      </a:fontRef>
+    </dgm:style>
+  </dgm:styleLbl>
+  <dgm:styleLbl name="sibTrans1D1">
+    <dgm:scene3d>
+      <a:camera prst="orthographicFront"/>
+      <a:lightRig rig="threePt" dir="t"/>
+    </dgm:scene3d>
+    <dgm:sp3d/>
+    <dgm:txPr/>
+    <dgm:style>
+      <a:lnRef idx="1">
+        <a:scrgbClr r="0" g="0" b="0"/>
+      </a:lnRef>
+      <a:fillRef idx="0">
+        <a:scrgbClr r="0" g="0" b="0"/>
+      </a:fillRef>
+      <a:effectRef idx="0">
+        <a:scrgbClr r="0" g="0" b="0"/>
+      </a:effectRef>
+      <a:fontRef idx="minor"/>
+    </dgm:style>
+  </dgm:styleLbl>
+  <dgm:styleLbl name="callout">
+    <dgm:scene3d>
+      <a:camera prst="orthographicFront"/>
+      <a:lightRig rig="threePt" dir="t"/>
+    </dgm:scene3d>
+    <dgm:sp3d/>
+    <dgm:txPr/>
+    <dgm:style>
+      <a:lnRef idx="2">
+        <a:scrgbClr r="0" g="0" b="0"/>
+      </a:lnRef>
+      <a:fillRef idx="1">
+        <a:scrgbClr r="0" g="0" b="0"/>
+      </a:fillRef>
+      <a:effectRef idx="0">
+        <a:scrgbClr r="0" g="0" b="0"/>
+      </a:effectRef>
+      <a:fontRef idx="minor"/>
+    </dgm:style>
+  </dgm:styleLbl>
+  <dgm:styleLbl name="asst0">
+    <dgm:scene3d>
+      <a:camera prst="orthographicFront"/>
+      <a:lightRig rig="threePt" dir="t"/>
+    </dgm:scene3d>
+    <dgm:sp3d/>
+    <dgm:txPr/>
+    <dgm:style>
+      <a:lnRef idx="2">
+        <a:scrgbClr r="0" g="0" b="0"/>
+      </a:lnRef>
+      <a:fillRef idx="1">
+        <a:scrgbClr r="0" g="0" b="0"/>
+      </a:fillRef>
+      <a:effectRef idx="0">
+        <a:scrgbClr r="0" g="0" b="0"/>
+      </a:effectRef>
+      <a:fontRef idx="minor">
+        <a:schemeClr val="lt1"/>
+      </a:fontRef>
+    </dgm:style>
+  </dgm:styleLbl>
+  <dgm:styleLbl name="asst1">
+    <dgm:scene3d>
+      <a:camera prst="orthographicFront"/>
+      <a:lightRig rig="threePt" dir="t"/>
+    </dgm:scene3d>
+    <dgm:sp3d/>
+    <dgm:txPr/>
+    <dgm:style>
+      <a:lnRef idx="2">
+        <a:scrgbClr r="0" g="0" b="0"/>
+      </a:lnRef>
+      <a:fillRef idx="1">
+        <a:scrgbClr r="0" g="0" b="0"/>
+      </a:fillRef>
+      <a:effectRef idx="0">
+        <a:scrgbClr r="0" g="0" b="0"/>
+      </a:effectRef>
+      <a:fontRef idx="minor">
+        <a:schemeClr val="lt1"/>
+      </a:fontRef>
+    </dgm:style>
+  </dgm:styleLbl>
+  <dgm:styleLbl name="asst2">
+    <dgm:scene3d>
+      <a:camera prst="orthographicFront"/>
+      <a:lightRig rig="threePt" dir="t"/>
+    </dgm:scene3d>
+    <dgm:sp3d/>
+    <dgm:txPr/>
+    <dgm:style>
+      <a:lnRef idx="2">
+        <a:scrgbClr r="0" g="0" b="0"/>
+      </a:lnRef>
+      <a:fillRef idx="1">
+        <a:scrgbClr r="0" g="0" b="0"/>
+      </a:fillRef>
+      <a:effectRef idx="0">
+        <a:scrgbClr r="0" g="0" b="0"/>
+      </a:effectRef>
+      <a:fontRef idx="minor">
+        <a:schemeClr val="lt1"/>
+      </a:fontRef>
+    </dgm:style>
+  </dgm:styleLbl>
+  <dgm:styleLbl name="asst3">
+    <dgm:scene3d>
+      <a:camera prst="orthographicFront"/>
+      <a:lightRig rig="threePt" dir="t"/>
+    </dgm:scene3d>
+    <dgm:sp3d/>
+    <dgm:txPr/>
+    <dgm:style>
+      <a:lnRef idx="2">
+        <a:scrgbClr r="0" g="0" b="0"/>
+      </a:lnRef>
+      <a:fillRef idx="1">
+        <a:scrgbClr r="0" g="0" b="0"/>
+      </a:fillRef>
+      <a:effectRef idx="0">
+        <a:scrgbClr r="0" g="0" b="0"/>
+      </a:effectRef>
+      <a:fontRef idx="minor">
+        <a:schemeClr val="lt1"/>
+      </a:fontRef>
+    </dgm:style>
+  </dgm:styleLbl>
+  <dgm:styleLbl name="asst4">
+    <dgm:scene3d>
+      <a:camera prst="orthographicFront"/>
+      <a:lightRig rig="threePt" dir="t"/>
+    </dgm:scene3d>
+    <dgm:sp3d/>
+    <dgm:txPr/>
+    <dgm:style>
+      <a:lnRef idx="2">
+        <a:scrgbClr r="0" g="0" b="0"/>
+      </a:lnRef>
+      <a:fillRef idx="1">
+        <a:scrgbClr r="0" g="0" b="0"/>
+      </a:fillRef>
+      <a:effectRef idx="0">
+        <a:scrgbClr r="0" g="0" b="0"/>
+      </a:effectRef>
+      <a:fontRef idx="minor">
+        <a:schemeClr val="lt1"/>
+      </a:fontRef>
+    </dgm:style>
+  </dgm:styleLbl>
+  <dgm:styleLbl name="parChTrans2D1">
+    <dgm:scene3d>
+      <a:camera prst="orthographicFront"/>
+      <a:lightRig rig="threePt" dir="t"/>
+    </dgm:scene3d>
+    <dgm:sp3d/>
+    <dgm:txPr/>
+    <dgm:style>
+      <a:lnRef idx="2">
+        <a:scrgbClr r="0" g="0" b="0"/>
+      </a:lnRef>
+      <a:fillRef idx="1">
+        <a:scrgbClr r="0" g="0" b="0"/>
+      </a:fillRef>
+      <a:effectRef idx="0">
+        <a:scrgbClr r="0" g="0" b="0"/>
+      </a:effectRef>
+      <a:fontRef idx="minor">
+        <a:schemeClr val="lt1"/>
+      </a:fontRef>
+    </dgm:style>
+  </dgm:styleLbl>
+  <dgm:styleLbl name="parChTrans2D2">
+    <dgm:scene3d>
+      <a:camera prst="orthographicFront"/>
+      <a:lightRig rig="threePt" dir="t"/>
+    </dgm:scene3d>
+    <dgm:sp3d/>
+    <dgm:txPr/>
+    <dgm:style>
+      <a:lnRef idx="2">
+        <a:scrgbClr r="0" g="0" b="0"/>
+      </a:lnRef>
+      <a:fillRef idx="1">
+        <a:scrgbClr r="0" g="0" b="0"/>
+      </a:fillRef>
+      <a:effectRef idx="0">
+        <a:scrgbClr r="0" g="0" b="0"/>
+      </a:effectRef>
+      <a:fontRef idx="minor">
+        <a:schemeClr val="lt1"/>
+      </a:fontRef>
+    </dgm:style>
+  </dgm:styleLbl>
+  <dgm:styleLbl name="parChTrans2D3">
+    <dgm:scene3d>
+      <a:camera prst="orthographicFront"/>
+      <a:lightRig rig="threePt" dir="t"/>
+    </dgm:scene3d>
+    <dgm:sp3d/>
+    <dgm:txPr/>
+    <dgm:style>
+      <a:lnRef idx="2">
+        <a:scrgbClr r="0" g="0" b="0"/>
+      </a:lnRef>
+      <a:fillRef idx="1">
+        <a:scrgbClr r="0" g="0" b="0"/>
+      </a:fillRef>
+      <a:effectRef idx="0">
+        <a:scrgbClr r="0" g="0" b="0"/>
+      </a:effectRef>
+      <a:fontRef idx="minor">
+        <a:schemeClr val="lt1"/>
+      </a:fontRef>
+    </dgm:style>
+  </dgm:styleLbl>
+  <dgm:styleLbl name="parChTrans2D4">
+    <dgm:scene3d>
+      <a:camera prst="orthographicFront"/>
+      <a:lightRig rig="threePt" dir="t"/>
+    </dgm:scene3d>
+    <dgm:sp3d/>
+    <dgm:txPr/>
+    <dgm:style>
+      <a:lnRef idx="2">
+        <a:scrgbClr r="0" g="0" b="0"/>
+      </a:lnRef>
+      <a:fillRef idx="1">
+        <a:scrgbClr r="0" g="0" b="0"/>
+      </a:fillRef>
+      <a:effectRef idx="0">
+        <a:scrgbClr r="0" g="0" b="0"/>
+      </a:effectRef>
+      <a:fontRef idx="minor">
+        <a:schemeClr val="lt1"/>
+      </a:fontRef>
+    </dgm:style>
+  </dgm:styleLbl>
+  <dgm:styleLbl name="parChTrans1D1">
+    <dgm:scene3d>
+      <a:camera prst="orthographicFront"/>
+      <a:lightRig rig="threePt" dir="t"/>
+    </dgm:scene3d>
+    <dgm:sp3d/>
+    <dgm:txPr/>
+    <dgm:style>
+      <a:lnRef idx="2">
+        <a:scrgbClr r="0" g="0" b="0"/>
+      </a:lnRef>
+      <a:fillRef idx="0">
+        <a:scrgbClr r="0" g="0" b="0"/>
+      </a:fillRef>
+      <a:effectRef idx="0">
+        <a:scrgbClr r="0" g="0" b="0"/>
+      </a:effectRef>
+      <a:fontRef idx="minor"/>
+    </dgm:style>
+  </dgm:styleLbl>
+  <dgm:styleLbl name="parChTrans1D2">
+    <dgm:scene3d>
+      <a:camera prst="orthographicFront"/>
+      <a:lightRig rig="threePt" dir="t"/>
+    </dgm:scene3d>
+    <dgm:sp3d/>
+    <dgm:txPr/>
+    <dgm:style>
+      <a:lnRef idx="2">
+        <a:scrgbClr r="0" g="0" b="0"/>
+      </a:lnRef>
+      <a:fillRef idx="0">
+        <a:scrgbClr r="0" g="0" b="0"/>
+      </a:fillRef>
+      <a:effectRef idx="0">
+        <a:scrgbClr r="0" g="0" b="0"/>
+      </a:effectRef>
+      <a:fontRef idx="minor"/>
+    </dgm:style>
+  </dgm:styleLbl>
+  <dgm:styleLbl name="parChTrans1D3">
+    <dgm:scene3d>
+      <a:camera prst="orthographicFront"/>
+      <a:lightRig rig="threePt" dir="t"/>
+    </dgm:scene3d>
+    <dgm:sp3d/>
+    <dgm:txPr/>
+    <dgm:style>
+      <a:lnRef idx="2">
+        <a:scrgbClr r="0" g="0" b="0"/>
+      </a:lnRef>
+      <a:fillRef idx="0">
+        <a:scrgbClr r="0" g="0" b="0"/>
+      </a:fillRef>
+      <a:effectRef idx="0">
+        <a:scrgbClr r="0" g="0" b="0"/>
+      </a:effectRef>
+      <a:fontRef idx="minor"/>
+    </dgm:style>
+  </dgm:styleLbl>
+  <dgm:styleLbl name="parChTrans1D4">
+    <dgm:scene3d>
+      <a:camera prst="orthographicFront"/>
+      <a:lightRig rig="threePt" dir="t"/>
+    </dgm:scene3d>
+    <dgm:sp3d/>
+    <dgm:txPr/>
+    <dgm:style>
+      <a:lnRef idx="2">
+        <a:scrgbClr r="0" g="0" b="0"/>
+      </a:lnRef>
+      <a:fillRef idx="0">
+        <a:scrgbClr r="0" g="0" b="0"/>
+      </a:fillRef>
+      <a:effectRef idx="0">
+        <a:scrgbClr r="0" g="0" b="0"/>
+      </a:effectRef>
+      <a:fontRef idx="minor"/>
+    </dgm:style>
+  </dgm:styleLbl>
+  <dgm:styleLbl name="fgAcc1">
+    <dgm:scene3d>
+      <a:camera prst="orthographicFront"/>
+      <a:lightRig rig="threePt" dir="t"/>
+    </dgm:scene3d>
+    <dgm:sp3d/>
+    <dgm:txPr/>
+    <dgm:style>
+      <a:lnRef idx="2">
+        <a:scrgbClr r="0" g="0" b="0"/>
+      </a:lnRef>
+      <a:fillRef idx="1">
+        <a:scrgbClr r="0" g="0" b="0"/>
+      </a:fillRef>
+      <a:effectRef idx="0">
+        <a:scrgbClr r="0" g="0" b="0"/>
+      </a:effectRef>
+      <a:fontRef idx="minor"/>
+    </dgm:style>
+  </dgm:styleLbl>
+  <dgm:styleLbl name="conFgAcc1">
+    <dgm:scene3d>
+      <a:camera prst="orthographicFront"/>
+      <a:lightRig rig="threePt" dir="t"/>
+    </dgm:scene3d>
+    <dgm:sp3d/>
+    <dgm:txPr/>
+    <dgm:style>
+      <a:lnRef idx="2">
+        <a:scrgbClr r="0" g="0" b="0"/>
+      </a:lnRef>
+      <a:fillRef idx="1">
+        <a:scrgbClr r="0" g="0" b="0"/>
+      </a:fillRef>
+      <a:effectRef idx="0">
+        <a:scrgbClr r="0" g="0" b="0"/>
+      </a:effectRef>
+      <a:fontRef idx="minor"/>
+    </dgm:style>
+  </dgm:styleLbl>
+  <dgm:styleLbl name="alignAcc1">
+    <dgm:scene3d>
+      <a:camera prst="orthographicFront"/>
+      <a:lightRig rig="threePt" dir="t"/>
+    </dgm:scene3d>
+    <dgm:sp3d/>
+    <dgm:txPr/>
+    <dgm:style>
+      <a:lnRef idx="2">
+        <a:scrgbClr r="0" g="0" b="0"/>
+      </a:lnRef>
+      <a:fillRef idx="1">
+        <a:scrgbClr r="0" g="0" b="0"/>
+      </a:fillRef>
+      <a:effectRef idx="0">
+        <a:scrgbClr r="0" g="0" b="0"/>
+      </a:effectRef>
+      <a:fontRef idx="minor"/>
+    </dgm:style>
+  </dgm:styleLbl>
+  <dgm:styleLbl name="trAlignAcc1">
+    <dgm:scene3d>
+      <a:camera prst="orthographicFront"/>
+      <a:lightRig rig="threePt" dir="t"/>
+    </dgm:scene3d>
+    <dgm:sp3d/>
+    <dgm:txPr/>
+    <dgm:style>
+      <a:lnRef idx="1">
+        <a:scrgbClr r="0" g="0" b="0"/>
+      </a:lnRef>
+      <a:fillRef idx="1">
+        <a:scrgbClr r="0" g="0" b="0"/>
+      </a:fillRef>
+      <a:effectRef idx="0">
+        <a:scrgbClr r="0" g="0" b="0"/>
+      </a:effectRef>
+      <a:fontRef idx="minor"/>
+    </dgm:style>
+  </dgm:styleLbl>
+  <dgm:styleLbl name="bgAcc1">
+    <dgm:scene3d>
+      <a:camera prst="orthographicFront"/>
+      <a:lightRig rig="threePt" dir="t"/>
+    </dgm:scene3d>
+    <dgm:sp3d/>
+    <dgm:txPr/>
+    <dgm:style>
+      <a:lnRef idx="2">
+        <a:scrgbClr r="0" g="0" b="0"/>
+      </a:lnRef>
+      <a:fillRef idx="1">
+        <a:scrgbClr r="0" g="0" b="0"/>
+      </a:fillRef>
+      <a:effectRef idx="0">
+        <a:scrgbClr r="0" g="0" b="0"/>
+      </a:effectRef>
+      <a:fontRef idx="minor"/>
+    </dgm:style>
+  </dgm:styleLbl>
+  <dgm:styleLbl name="solidFgAcc1">
+    <dgm:scene3d>
+      <a:camera prst="orthographicFront"/>
+      <a:lightRig rig="threePt" dir="t"/>
+    </dgm:scene3d>
+    <dgm:sp3d/>
+    <dgm:txPr/>
+    <dgm:style>
+      <a:lnRef idx="2">
+        <a:scrgbClr r="0" g="0" b="0"/>
+      </a:lnRef>
+      <a:fillRef idx="1">
+        <a:scrgbClr r="0" g="0" b="0"/>
+      </a:fillRef>
+      <a:effectRef idx="0">
+        <a:scrgbClr r="0" g="0" b="0"/>
+      </a:effectRef>
+      <a:fontRef idx="minor"/>
+    </dgm:style>
+  </dgm:styleLbl>
+  <dgm:styleLbl name="solidAlignAcc1">
+    <dgm:scene3d>
+      <a:camera prst="orthographicFront"/>
+      <a:lightRig rig="threePt" dir="t"/>
+    </dgm:scene3d>
+    <dgm:sp3d/>
+    <dgm:txPr/>
+    <dgm:style>
+      <a:lnRef idx="2">
+        <a:scrgbClr r="0" g="0" b="0"/>
+      </a:lnRef>
+      <a:fillRef idx="1">
+        <a:scrgbClr r="0" g="0" b="0"/>
+      </a:fillRef>
+      <a:effectRef idx="0">
+        <a:scrgbClr r="0" g="0" b="0"/>
+      </a:effectRef>
+      <a:fontRef idx="minor"/>
+    </dgm:style>
+  </dgm:styleLbl>
+  <dgm:styleLbl name="solidBgAcc1">
+    <dgm:scene3d>
+      <a:camera prst="orthographicFront"/>
+      <a:lightRig rig="threePt" dir="t"/>
+    </dgm:scene3d>
+    <dgm:sp3d/>
+    <dgm:txPr/>
+    <dgm:style>
+      <a:lnRef idx="2">
+        <a:scrgbClr r="0" g="0" b="0"/>
+      </a:lnRef>
+      <a:fillRef idx="1">
+        <a:scrgbClr r="0" g="0" b="0"/>
+      </a:fillRef>
+      <a:effectRef idx="0">
+        <a:scrgbClr r="0" g="0" b="0"/>
+      </a:effectRef>
+      <a:fontRef idx="minor"/>
+    </dgm:style>
+  </dgm:styleLbl>
+  <dgm:styleLbl name="fgAccFollowNode1">
+    <dgm:scene3d>
+      <a:camera prst="orthographicFront"/>
+      <a:lightRig rig="threePt" dir="t"/>
+    </dgm:scene3d>
+    <dgm:sp3d/>
+    <dgm:txPr/>
+    <dgm:style>
+      <a:lnRef idx="2">
+        <a:scrgbClr r="0" g="0" b="0"/>
+      </a:lnRef>
+      <a:fillRef idx="1">
+        <a:scrgbClr r="0" g="0" b="0"/>
+      </a:fillRef>
+      <a:effectRef idx="0">
+        <a:scrgbClr r="0" g="0" b="0"/>
+      </a:effectRef>
+      <a:fontRef idx="minor"/>
+    </dgm:style>
+  </dgm:styleLbl>
+  <dgm:styleLbl name="alignAccFollowNode1">
+    <dgm:scene3d>
+      <a:camera prst="orthographicFront"/>
+      <a:lightRig rig="threePt" dir="t"/>
+    </dgm:scene3d>
+    <dgm:sp3d/>
+    <dgm:txPr/>
+    <dgm:style>
+      <a:lnRef idx="2">
+        <a:scrgbClr r="0" g="0" b="0"/>
+      </a:lnRef>
+      <a:fillRef idx="1">
+        <a:scrgbClr r="0" g="0" b="0"/>
+      </a:fillRef>
+      <a:effectRef idx="0">
+        <a:scrgbClr r="0" g="0" b="0"/>
+      </a:effectRef>
+      <a:fontRef idx="minor"/>
+    </dgm:style>
+  </dgm:styleLbl>
+  <dgm:styleLbl name="bgAccFollowNode1">
+    <dgm:scene3d>
+      <a:camera prst="orthographicFront"/>
+      <a:lightRig rig="threePt" dir="t"/>
+    </dgm:scene3d>
+    <dgm:sp3d/>
+    <dgm:txPr/>
+    <dgm:style>
+      <a:lnRef idx="2">
+        <a:scrgbClr r="0" g="0" b="0"/>
+      </a:lnRef>
+      <a:fillRef idx="1">
+        <a:scrgbClr r="0" g="0" b="0"/>
+      </a:fillRef>
+      <a:effectRef idx="0">
+        <a:scrgbClr r="0" g="0" b="0"/>
+      </a:effectRef>
+      <a:fontRef idx="minor"/>
+    </dgm:style>
+  </dgm:styleLbl>
+  <dgm:styleLbl name="fgAcc0">
+    <dgm:scene3d>
+      <a:camera prst="orthographicFront"/>
+      <a:lightRig rig="threePt" dir="t"/>
+    </dgm:scene3d>
+    <dgm:sp3d/>
+    <dgm:txPr/>
+    <dgm:style>
+      <a:lnRef idx="2">
+        <a:scrgbClr r="0" g="0" b="0"/>
+      </a:lnRef>
+      <a:fillRef idx="1">
+        <a:scrgbClr r="0" g="0" b="0"/>
+      </a:fillRef>
+      <a:effectRef idx="0">
+        <a:scrgbClr r="0" g="0" b="0"/>
+      </a:effectRef>
+      <a:fontRef idx="minor"/>
+    </dgm:style>
+  </dgm:styleLbl>
+  <dgm:styleLbl name="fgAcc2">
+    <dgm:scene3d>
+      <a:camera prst="orthographicFront"/>
+      <a:lightRig rig="threePt" dir="t"/>
+    </dgm:scene3d>
+    <dgm:sp3d/>
+    <dgm:txPr/>
+    <dgm:style>
+      <a:lnRef idx="2">
+        <a:scrgbClr r="0" g="0" b="0"/>
+      </a:lnRef>
+      <a:fillRef idx="1">
+        <a:scrgbClr r="0" g="0" b="0"/>
+      </a:fillRef>
+      <a:effectRef idx="0">
+        <a:scrgbClr r="0" g="0" b="0"/>
+      </a:effectRef>
+      <a:fontRef idx="minor"/>
+    </dgm:style>
+  </dgm:styleLbl>
+  <dgm:styleLbl name="fgAcc3">
+    <dgm:scene3d>
+      <a:camera prst="orthographicFront"/>
+      <a:lightRig rig="threePt" dir="t"/>
+    </dgm:scene3d>
+    <dgm:sp3d/>
+    <dgm:txPr/>
+    <dgm:style>
+      <a:lnRef idx="2">
+        <a:scrgbClr r="0" g="0" b="0"/>
+      </a:lnRef>
+      <a:fillRef idx="1">
+        <a:scrgbClr r="0" g="0" b="0"/>
+      </a:fillRef>
+      <a:effectRef idx="0">
+        <a:scrgbClr r="0" g="0" b="0"/>
+      </a:effectRef>
+      <a:fontRef idx="minor"/>
+    </dgm:style>
+  </dgm:styleLbl>
+  <dgm:styleLbl name="fgAcc4">
+    <dgm:scene3d>
+      <a:camera prst="orthographicFront"/>
+      <a:lightRig rig="threePt" dir="t"/>
+    </dgm:scene3d>
+    <dgm:sp3d/>
+    <dgm:txPr/>
+    <dgm:style>
+      <a:lnRef idx="2">
+        <a:scrgbClr r="0" g="0" b="0"/>
+      </a:lnRef>
+      <a:fillRef idx="1">
+        <a:scrgbClr r="0" g="0" b="0"/>
+      </a:fillRef>
+      <a:effectRef idx="0">
+        <a:scrgbClr r="0" g="0" b="0"/>
+      </a:effectRef>
+      <a:fontRef idx="minor"/>
+    </dgm:style>
+  </dgm:styleLbl>
+  <dgm:styleLbl name="bgShp">
+    <dgm:scene3d>
+      <a:camera prst="orthographicFront"/>
+      <a:lightRig rig="threePt" dir="t"/>
+    </dgm:scene3d>
+    <dgm:sp3d/>
+    <dgm:txPr/>
+    <dgm:style>
+      <a:lnRef idx="0">
+        <a:scrgbClr r="0" g="0" b="0"/>
+      </a:lnRef>
+      <a:fillRef idx="1">
+        <a:scrgbClr r="0" g="0" b="0"/>
+      </a:fillRef>
+      <a:effectRef idx="0">
+        <a:scrgbClr r="0" g="0" b="0"/>
+      </a:effectRef>
+      <a:fontRef idx="minor"/>
+    </dgm:style>
+  </dgm:styleLbl>
+  <dgm:styleLbl name="dkBgShp">
+    <dgm:scene3d>
+      <a:camera prst="orthographicFront"/>
+      <a:lightRig rig="threePt" dir="t"/>
+    </dgm:scene3d>
+    <dgm:sp3d/>
+    <dgm:txPr/>
+    <dgm:style>
+      <a:lnRef idx="0">
+        <a:scrgbClr r="0" g="0" b="0"/>
+      </a:lnRef>
+      <a:fillRef idx="1">
+        <a:scrgbClr r="0" g="0" b="0"/>
+      </a:fillRef>
+      <a:effectRef idx="0">
+        <a:scrgbClr r="0" g="0" b="0"/>
+      </a:effectRef>
+      <a:fontRef idx="minor"/>
+    </dgm:style>
+  </dgm:styleLbl>
+  <dgm:styleLbl name="trBgShp">
+    <dgm:scene3d>
+      <a:camera prst="orthographicFront"/>
+      <a:lightRig rig="threePt" dir="t"/>
+    </dgm:scene3d>
+    <dgm:sp3d/>
+    <dgm:txPr/>
+    <dgm:style>
+      <a:lnRef idx="0">
+        <a:scrgbClr r="0" g="0" b="0"/>
+      </a:lnRef>
+      <a:fillRef idx="1">
+        <a:scrgbClr r="0" g="0" b="0"/>
+      </a:fillRef>
+      <a:effectRef idx="0">
+        <a:scrgbClr r="0" g="0" b="0"/>
+      </a:effectRef>
+      <a:fontRef idx="minor"/>
+    </dgm:style>
+  </dgm:styleLbl>
+  <dgm:styleLbl name="fgShp">
+    <dgm:scene3d>
+      <a:camera prst="orthographicFront"/>
+      <a:lightRig rig="threePt" dir="t"/>
+    </dgm:scene3d>
+    <dgm:sp3d/>
+    <dgm:txPr/>
+    <dgm:style>
+      <a:lnRef idx="2">
+        <a:scrgbClr r="0" g="0" b="0"/>
+      </a:lnRef>
+      <a:fillRef idx="1">
+        <a:scrgbClr r="0" g="0" b="0"/>
+      </a:fillRef>
+      <a:effectRef idx="0">
+        <a:scrgbClr r="0" g="0" b="0"/>
+      </a:effectRef>
+      <a:fontRef idx="minor"/>
+    </dgm:style>
+  </dgm:styleLbl>
+  <dgm:styleLbl name="revTx">
+    <dgm:scene3d>
+      <a:camera prst="orthographicFront"/>
+      <a:lightRig rig="threePt" dir="t"/>
+    </dgm:scene3d>
+    <dgm:sp3d/>
+    <dgm:txPr/>
+    <dgm:style>
+      <a:lnRef idx="0">
+        <a:scrgbClr r="0" g="0" b="0"/>
+      </a:lnRef>
+      <a:fillRef idx="0">
+        <a:scrgbClr r="0" g="0" b="0"/>
+      </a:fillRef>
+      <a:effectRef idx="0">
+        <a:scrgbClr r="0" g="0" b="0"/>
+      </a:effectRef>
+      <a:fontRef idx="minor"/>
+    </dgm:style>
+  </dgm:styleLbl>
+</dgm:styleDef>
+</file>
+
+<file path=ppt/notesMasters/notesMaster1.xml><?xml version="1.0" encoding="utf-8"?>
+<p:notesMaster xmlns:a="http://schemas.openxmlformats.org/drawingml/2006/main" xmlns:r="http://schemas.openxmlformats.org/officeDocument/2006/relationships" xmlns:p="http://schemas.openxmlformats.org/presentationml/2006/main">
+  <p:cSld>
+    <p:bg>
+      <p:bgRef idx="1001">
+        <a:schemeClr val="bg1"/>
+      </p:bgRef>
+    </p:bg>
+    <p:spTree>
+      <p:nvGrpSpPr>
+        <p:cNvPr id="1" name=""/>
+        <p:cNvGrpSpPr/>
+        <p:nvPr/>
+      </p:nvGrpSpPr>
+      <p:grpSpPr>
+        <a:xfrm>
+          <a:off x="0" y="0"/>
+          <a:ext cx="0" cy="0"/>
+          <a:chOff x="0" y="0"/>
+          <a:chExt cx="0" cy="0"/>
+        </a:xfrm>
+      </p:grpSpPr>
+      <p:sp>
+        <p:nvSpPr>
+          <p:cNvPr id="2" name="Header Placeholder 1"/>
+          <p:cNvSpPr>
+            <a:spLocks noGrp="1"/>
+          </p:cNvSpPr>
+          <p:nvPr>
+            <p:ph type="hdr" sz="quarter"/>
+          </p:nvPr>
+        </p:nvSpPr>
+        <p:spPr>
+          <a:xfrm>
+            <a:off x="0" y="0"/>
+            <a:ext cx="2971800" cy="458788"/>
+          </a:xfrm>
+          <a:prstGeom prst="rect">
+            <a:avLst/>
+          </a:prstGeom>
+        </p:spPr>
+        <p:txBody>
+          <a:bodyPr vert="horz" lIns="91440" tIns="45720" rIns="91440" bIns="45720" rtlCol="0"/>
+          <a:lstStyle>
+            <a:lvl1pPr algn="l">
+              <a:defRPr sz="1200"/>
+            </a:lvl1pPr>
+          </a:lstStyle>
+          <a:p>
+            <a:endParaRPr lang="en-US"/>
+          </a:p>
+        </p:txBody>
+      </p:sp>
+      <p:sp>
+        <p:nvSpPr>
+          <p:cNvPr id="3" name="Date Placeholder 2"/>
+          <p:cNvSpPr>
+            <a:spLocks noGrp="1"/>
+          </p:cNvSpPr>
+          <p:nvPr>
+            <p:ph type="dt" idx="1"/>
+          </p:nvPr>
+        </p:nvSpPr>
+        <p:spPr>
+          <a:xfrm>
+            <a:off x="3884613" y="0"/>
+            <a:ext cx="2971800" cy="458788"/>
+          </a:xfrm>
+          <a:prstGeom prst="rect">
+            <a:avLst/>
+          </a:prstGeom>
+        </p:spPr>
+        <p:txBody>
+          <a:bodyPr vert="horz" lIns="91440" tIns="45720" rIns="91440" bIns="45720" rtlCol="0"/>
+          <a:lstStyle>
+            <a:lvl1pPr algn="r">
+              <a:defRPr sz="1200"/>
+            </a:lvl1pPr>
+          </a:lstStyle>
+          <a:p>
+            <a:fld id="{FD5622A5-2DA5-CC40-B07C-43346E1DBC75}" type="datetimeFigureOut">
+              <a:rPr lang="en-US" smtClean="0"/>
+              <a:t>7/31/23</a:t>
+            </a:fld>
+            <a:endParaRPr lang="en-US"/>
+          </a:p>
+        </p:txBody>
+      </p:sp>
+      <p:sp>
+        <p:nvSpPr>
+          <p:cNvPr id="4" name="Slide Image Placeholder 3"/>
+          <p:cNvSpPr>
+            <a:spLocks noGrp="1" noRot="1" noChangeAspect="1"/>
+          </p:cNvSpPr>
+          <p:nvPr>
+            <p:ph type="sldImg" idx="2"/>
+          </p:nvPr>
+        </p:nvSpPr>
+        <p:spPr>
+          <a:xfrm>
+            <a:off x="685800" y="1143000"/>
+            <a:ext cx="5486400" cy="3086100"/>
+          </a:xfrm>
+          <a:prstGeom prst="rect">
+            <a:avLst/>
+          </a:prstGeom>
+          <a:noFill/>
+          <a:ln w="12700">
+            <a:solidFill>
+              <a:prstClr val="black"/>
+            </a:solidFill>
+          </a:ln>
+        </p:spPr>
+        <p:txBody>
+          <a:bodyPr vert="horz" lIns="91440" tIns="45720" rIns="91440" bIns="45720" rtlCol="0" anchor="ctr"/>
+          <a:lstStyle/>
+          <a:p>
+            <a:endParaRPr lang="en-US"/>
+          </a:p>
+        </p:txBody>
+      </p:sp>
+      <p:sp>
+        <p:nvSpPr>
+          <p:cNvPr id="5" name="Notes Placeholder 4"/>
+          <p:cNvSpPr>
+            <a:spLocks noGrp="1"/>
+          </p:cNvSpPr>
+          <p:nvPr>
+            <p:ph type="body" sz="quarter" idx="3"/>
+          </p:nvPr>
+        </p:nvSpPr>
+        <p:spPr>
+          <a:xfrm>
+            <a:off x="685800" y="4400550"/>
+            <a:ext cx="5486400" cy="3600450"/>
+          </a:xfrm>
+          <a:prstGeom prst="rect">
+            <a:avLst/>
+          </a:prstGeom>
+        </p:spPr>
+        <p:txBody>
+          <a:bodyPr vert="horz" lIns="91440" tIns="45720" rIns="91440" bIns="45720" rtlCol="0"/>
+          <a:lstStyle/>
+          <a:p>
+            <a:pPr lvl="0"/>
+            <a:r>
+              <a:rPr lang="en-US"/>
+              <a:t>Click to edit Master text styles</a:t>
+            </a:r>
+          </a:p>
+          <a:p>
+            <a:pPr lvl="1"/>
+            <a:r>
+              <a:rPr lang="en-US"/>
+              <a:t>Second level</a:t>
+            </a:r>
+          </a:p>
+          <a:p>
+            <a:pPr lvl="2"/>
+            <a:r>
+              <a:rPr lang="en-US"/>
+              <a:t>Third level</a:t>
+            </a:r>
+          </a:p>
+          <a:p>
+            <a:pPr lvl="3"/>
+            <a:r>
+              <a:rPr lang="en-US"/>
+              <a:t>Fourth level</a:t>
+            </a:r>
+          </a:p>
+          <a:p>
+            <a:pPr lvl="4"/>
+            <a:r>
+              <a:rPr lang="en-US"/>
+              <a:t>Fifth level</a:t>
+            </a:r>
+          </a:p>
+        </p:txBody>
+      </p:sp>
+      <p:sp>
+        <p:nvSpPr>
+          <p:cNvPr id="6" name="Footer Placeholder 5"/>
+          <p:cNvSpPr>
+            <a:spLocks noGrp="1"/>
+          </p:cNvSpPr>
+          <p:nvPr>
+            <p:ph type="ftr" sz="quarter" idx="4"/>
+          </p:nvPr>
+        </p:nvSpPr>
+        <p:spPr>
+          <a:xfrm>
+            <a:off x="0" y="8685213"/>
+            <a:ext cx="2971800" cy="458787"/>
+          </a:xfrm>
+          <a:prstGeom prst="rect">
+            <a:avLst/>
+          </a:prstGeom>
+        </p:spPr>
+        <p:txBody>
+          <a:bodyPr vert="horz" lIns="91440" tIns="45720" rIns="91440" bIns="45720" rtlCol="0" anchor="b"/>
+          <a:lstStyle>
+            <a:lvl1pPr algn="l">
+              <a:defRPr sz="1200"/>
+            </a:lvl1pPr>
+          </a:lstStyle>
+          <a:p>
+            <a:endParaRPr lang="en-US"/>
+          </a:p>
+        </p:txBody>
+      </p:sp>
+      <p:sp>
+        <p:nvSpPr>
+          <p:cNvPr id="7" name="Slide Number Placeholder 6"/>
+          <p:cNvSpPr>
+            <a:spLocks noGrp="1"/>
+          </p:cNvSpPr>
+          <p:nvPr>
+            <p:ph type="sldNum" sz="quarter" idx="5"/>
+          </p:nvPr>
+        </p:nvSpPr>
+        <p:spPr>
+          <a:xfrm>
+            <a:off x="3884613" y="8685213"/>
+            <a:ext cx="2971800" cy="458787"/>
+          </a:xfrm>
+          <a:prstGeom prst="rect">
+            <a:avLst/>
+          </a:prstGeom>
+        </p:spPr>
+        <p:txBody>
+          <a:bodyPr vert="horz" lIns="91440" tIns="45720" rIns="91440" bIns="45720" rtlCol="0" anchor="b"/>
+          <a:lstStyle>
+            <a:lvl1pPr algn="r">
+              <a:defRPr sz="1200"/>
+            </a:lvl1pPr>
+          </a:lstStyle>
+          <a:p>
+            <a:fld id="{CE50AF9D-82A4-2C4B-9FAE-78D1CC5060A9}" type="slidenum">
+              <a:rPr lang="en-US" smtClean="0"/>
+              <a:t>‹#›</a:t>
+            </a:fld>
+            <a:endParaRPr lang="en-US"/>
+          </a:p>
+        </p:txBody>
+      </p:sp>
+    </p:spTree>
+    <p:extLst>
+      <p:ext uri="{BB962C8B-B14F-4D97-AF65-F5344CB8AC3E}">
+        <p14:creationId xmlns:p14="http://schemas.microsoft.com/office/powerpoint/2010/main" val="2915578367"/>
+      </p:ext>
+    </p:extLst>
+  </p:cSld>
+  <p:clrMap bg1="lt1" tx1="dk1" bg2="lt2" tx2="dk2" accent1="accent1" accent2="accent2" accent3="accent3" accent4="accent4" accent5="accent5" accent6="accent6" hlink="hlink" folHlink="folHlink"/>
+  <p:notesStyle>
+    <a:lvl1pPr marL="0" algn="l" defTabSz="914400" rtl="0" eaLnBrk="1" latinLnBrk="0" hangingPunct="1">
+      <a:defRPr sz="1200" kern="1200">
+        <a:solidFill>
+          <a:schemeClr val="tx1"/>
+        </a:solidFill>
+        <a:latin typeface="+mn-lt"/>
+        <a:ea typeface="+mn-ea"/>
+        <a:cs typeface="+mn-cs"/>
+      </a:defRPr>
+    </a:lvl1pPr>
+    <a:lvl2pPr marL="457200" algn="l" defTabSz="914400" rtl="0" eaLnBrk="1" latinLnBrk="0" hangingPunct="1">
+      <a:defRPr sz="1200" kern="1200">
+        <a:solidFill>
+          <a:schemeClr val="tx1"/>
+        </a:solidFill>
+        <a:latin typeface="+mn-lt"/>
+        <a:ea typeface="+mn-ea"/>
+        <a:cs typeface="+mn-cs"/>
+      </a:defRPr>
+    </a:lvl2pPr>
+    <a:lvl3pPr marL="914400" algn="l" defTabSz="914400" rtl="0" eaLnBrk="1" latinLnBrk="0" hangingPunct="1">
+      <a:defRPr sz="1200" kern="1200">
+        <a:solidFill>
+          <a:schemeClr val="tx1"/>
+        </a:solidFill>
+        <a:latin typeface="+mn-lt"/>
+        <a:ea typeface="+mn-ea"/>
+        <a:cs typeface="+mn-cs"/>
+      </a:defRPr>
+    </a:lvl3pPr>
+    <a:lvl4pPr marL="1371600" algn="l" defTabSz="914400" rtl="0" eaLnBrk="1" latinLnBrk="0" hangingPunct="1">
+      <a:defRPr sz="1200" kern="1200">
+        <a:solidFill>
+          <a:schemeClr val="tx1"/>
+        </a:solidFill>
+        <a:latin typeface="+mn-lt"/>
+        <a:ea typeface="+mn-ea"/>
+        <a:cs typeface="+mn-cs"/>
+      </a:defRPr>
+    </a:lvl4pPr>
+    <a:lvl5pPr marL="1828800" algn="l" defTabSz="914400" rtl="0" eaLnBrk="1" latinLnBrk="0" hangingPunct="1">
+      <a:defRPr sz="1200" kern="1200">
+        <a:solidFill>
+          <a:schemeClr val="tx1"/>
+        </a:solidFill>
+        <a:latin typeface="+mn-lt"/>
+        <a:ea typeface="+mn-ea"/>
+        <a:cs typeface="+mn-cs"/>
+      </a:defRPr>
+    </a:lvl5pPr>
+    <a:lvl6pPr marL="2286000" algn="l" defTabSz="914400" rtl="0" eaLnBrk="1" latinLnBrk="0" hangingPunct="1">
+      <a:defRPr sz="1200" kern="1200">
+        <a:solidFill>
+          <a:schemeClr val="tx1"/>
+        </a:solidFill>
+        <a:latin typeface="+mn-lt"/>
+        <a:ea typeface="+mn-ea"/>
+        <a:cs typeface="+mn-cs"/>
+      </a:defRPr>
+    </a:lvl6pPr>
+    <a:lvl7pPr marL="2743200" algn="l" defTabSz="914400" rtl="0" eaLnBrk="1" latinLnBrk="0" hangingPunct="1">
+      <a:defRPr sz="1200" kern="1200">
+        <a:solidFill>
+          <a:schemeClr val="tx1"/>
+        </a:solidFill>
+        <a:latin typeface="+mn-lt"/>
+        <a:ea typeface="+mn-ea"/>
+        <a:cs typeface="+mn-cs"/>
+      </a:defRPr>
+    </a:lvl7pPr>
+    <a:lvl8pPr marL="3200400" algn="l" defTabSz="914400" rtl="0" eaLnBrk="1" latinLnBrk="0" hangingPunct="1">
+      <a:defRPr sz="1200" kern="1200">
+        <a:solidFill>
+          <a:schemeClr val="tx1"/>
+        </a:solidFill>
+        <a:latin typeface="+mn-lt"/>
+        <a:ea typeface="+mn-ea"/>
+        <a:cs typeface="+mn-cs"/>
+      </a:defRPr>
+    </a:lvl8pPr>
+    <a:lvl9pPr marL="3657600" algn="l" defTabSz="914400" rtl="0" eaLnBrk="1" latinLnBrk="0" hangingPunct="1">
+      <a:defRPr sz="1200" kern="1200">
+        <a:solidFill>
+          <a:schemeClr val="tx1"/>
+        </a:solidFill>
+        <a:latin typeface="+mn-lt"/>
+        <a:ea typeface="+mn-ea"/>
+        <a:cs typeface="+mn-cs"/>
+      </a:defRPr>
+    </a:lvl9pPr>
+  </p:notesStyle>
+</p:notesMaster>
+</file>
+
+<file path=ppt/notesSlides/notesSlide1.xml><?xml version="1.0" encoding="utf-8"?>
+<p:notes xmlns:a="http://schemas.openxmlformats.org/drawingml/2006/main" xmlns:r="http://schemas.openxmlformats.org/officeDocument/2006/relationships" xmlns:p="http://schemas.openxmlformats.org/presentationml/2006/main">
+  <p:cSld>
+    <p:spTree>
+      <p:nvGrpSpPr>
+        <p:cNvPr id="1" name=""/>
+        <p:cNvGrpSpPr/>
+        <p:nvPr/>
+      </p:nvGrpSpPr>
+      <p:grpSpPr>
+        <a:xfrm>
+          <a:off x="0" y="0"/>
+          <a:ext cx="0" cy="0"/>
+          <a:chOff x="0" y="0"/>
+          <a:chExt cx="0" cy="0"/>
+        </a:xfrm>
+      </p:grpSpPr>
+      <p:sp>
+        <p:nvSpPr>
+          <p:cNvPr id="2" name="Slide Image Placeholder 1"/>
+          <p:cNvSpPr>
+            <a:spLocks noGrp="1" noRot="1" noChangeAspect="1"/>
+          </p:cNvSpPr>
+          <p:nvPr>
+            <p:ph type="sldImg"/>
+          </p:nvPr>
+        </p:nvSpPr>
+        <p:spPr/>
+      </p:sp>
+      <p:sp>
+        <p:nvSpPr>
+          <p:cNvPr id="3" name="Notes Placeholder 2"/>
+          <p:cNvSpPr>
+            <a:spLocks noGrp="1"/>
+          </p:cNvSpPr>
+          <p:nvPr>
+            <p:ph type="body" idx="1"/>
+          </p:nvPr>
+        </p:nvSpPr>
+        <p:spPr/>
+        <p:txBody>
+          <a:bodyPr/>
+          <a:lstStyle/>
+          <a:p>
+            <a:r>
+              <a:rPr lang="en-US" dirty="0"/>
+              <a:t>Analyst from XYZ company</a:t>
+            </a:r>
+          </a:p>
+          <a:p>
+            <a:r>
+              <a:rPr lang="en-US" dirty="0"/>
+              <a:t>Story </a:t>
+            </a:r>
+          </a:p>
+          <a:p>
+            <a:r>
+              <a:rPr lang="en-US" dirty="0"/>
+              <a:t>Questions: all of the questions</a:t>
+            </a:r>
+          </a:p>
+          <a:p>
+            <a:r>
+              <a:rPr lang="en-US" dirty="0"/>
+              <a:t>*State of current </a:t>
+            </a:r>
+          </a:p>
+          <a:p>
+            <a:endParaRPr lang="en-US" dirty="0"/>
+          </a:p>
+          <a:p>
+            <a:r>
+              <a:rPr lang="en-US" dirty="0"/>
+              <a:t>*Document website</a:t>
+            </a:r>
+          </a:p>
+        </p:txBody>
+      </p:sp>
+      <p:sp>
+        <p:nvSpPr>
+          <p:cNvPr id="4" name="Slide Number Placeholder 3"/>
+          <p:cNvSpPr>
+            <a:spLocks noGrp="1"/>
+          </p:cNvSpPr>
+          <p:nvPr>
+            <p:ph type="sldNum" sz="quarter" idx="5"/>
+          </p:nvPr>
+        </p:nvSpPr>
+        <p:spPr/>
+        <p:txBody>
+          <a:bodyPr/>
+          <a:lstStyle/>
+          <a:p>
+            <a:fld id="{CE50AF9D-82A4-2C4B-9FAE-78D1CC5060A9}" type="slidenum">
+              <a:rPr lang="en-US" smtClean="0"/>
+              <a:t>1</a:t>
+            </a:fld>
+            <a:endParaRPr lang="en-US"/>
+          </a:p>
+        </p:txBody>
+      </p:sp>
+    </p:spTree>
+    <p:extLst>
+      <p:ext uri="{BB962C8B-B14F-4D97-AF65-F5344CB8AC3E}">
+        <p14:creationId xmlns:p14="http://schemas.microsoft.com/office/powerpoint/2010/main" val="4130314739"/>
+      </p:ext>
+    </p:extLst>
+  </p:cSld>
+  <p:clrMapOvr>
+    <a:masterClrMapping/>
+  </p:clrMapOvr>
+</p:notes>
+</file>
+
+<file path=ppt/notesSlides/notesSlide2.xml><?xml version="1.0" encoding="utf-8"?>
+<p:notes xmlns:a="http://schemas.openxmlformats.org/drawingml/2006/main" xmlns:r="http://schemas.openxmlformats.org/officeDocument/2006/relationships" xmlns:p="http://schemas.openxmlformats.org/presentationml/2006/main">
+  <p:cSld>
+    <p:spTree>
+      <p:nvGrpSpPr>
+        <p:cNvPr id="1" name=""/>
+        <p:cNvGrpSpPr/>
+        <p:nvPr/>
+      </p:nvGrpSpPr>
+      <p:grpSpPr>
+        <a:xfrm>
+          <a:off x="0" y="0"/>
+          <a:ext cx="0" cy="0"/>
+          <a:chOff x="0" y="0"/>
+          <a:chExt cx="0" cy="0"/>
+        </a:xfrm>
+      </p:grpSpPr>
+      <p:sp>
+        <p:nvSpPr>
+          <p:cNvPr id="2" name="Slide Image Placeholder 1"/>
+          <p:cNvSpPr>
+            <a:spLocks noGrp="1" noRot="1" noChangeAspect="1"/>
+          </p:cNvSpPr>
+          <p:nvPr>
+            <p:ph type="sldImg"/>
+          </p:nvPr>
+        </p:nvSpPr>
+        <p:spPr/>
+      </p:sp>
+      <p:sp>
+        <p:nvSpPr>
+          <p:cNvPr id="3" name="Notes Placeholder 2"/>
+          <p:cNvSpPr>
+            <a:spLocks noGrp="1"/>
+          </p:cNvSpPr>
+          <p:nvPr>
+            <p:ph type="body" idx="1"/>
+          </p:nvPr>
+        </p:nvSpPr>
+        <p:spPr/>
+        <p:txBody>
+          <a:bodyPr/>
+          <a:lstStyle/>
+          <a:p>
+            <a:endParaRPr lang="en-US" dirty="0"/>
+          </a:p>
+        </p:txBody>
+      </p:sp>
+      <p:sp>
+        <p:nvSpPr>
+          <p:cNvPr id="4" name="Slide Number Placeholder 3"/>
+          <p:cNvSpPr>
+            <a:spLocks noGrp="1"/>
+          </p:cNvSpPr>
+          <p:nvPr>
+            <p:ph type="sldNum" sz="quarter" idx="5"/>
+          </p:nvPr>
+        </p:nvSpPr>
+        <p:spPr/>
+        <p:txBody>
+          <a:bodyPr/>
+          <a:lstStyle/>
+          <a:p>
+            <a:fld id="{CE50AF9D-82A4-2C4B-9FAE-78D1CC5060A9}" type="slidenum">
+              <a:rPr lang="en-US" smtClean="0"/>
+              <a:t>3</a:t>
+            </a:fld>
+            <a:endParaRPr lang="en-US"/>
+          </a:p>
+        </p:txBody>
+      </p:sp>
+    </p:spTree>
+    <p:extLst>
+      <p:ext uri="{BB962C8B-B14F-4D97-AF65-F5344CB8AC3E}">
+        <p14:creationId xmlns:p14="http://schemas.microsoft.com/office/powerpoint/2010/main" val="2928869936"/>
+      </p:ext>
+    </p:extLst>
+  </p:cSld>
+  <p:clrMapOvr>
+    <a:masterClrMapping/>
+  </p:clrMapOvr>
+</p:notes>
 </file>
 
 <file path=ppt/slideLayouts/slideLayout1.xml><?xml version="1.0" encoding="utf-8"?>
@@ -3340,12 +6653,29 @@
             <p:ph type="ctrTitle"/>
           </p:nvPr>
         </p:nvSpPr>
-        <p:spPr/>
-        <p:txBody>
-          <a:bodyPr/>
+        <p:spPr>
+          <a:xfrm>
+            <a:off x="6264965" y="50788"/>
+            <a:ext cx="5602356" cy="3895048"/>
+          </a:xfrm>
+        </p:spPr>
+        <p:txBody>
+          <a:bodyPr>
+            <a:normAutofit fontScale="90000"/>
+          </a:bodyPr>
           <a:lstStyle/>
           <a:p>
-            <a:endParaRPr lang="en-US"/>
+            <a:r>
+              <a:rPr lang="en-US" b="1" dirty="0"/>
+              <a:t>Wind Energy in the United States:</a:t>
+            </a:r>
+            <a:br>
+              <a:rPr lang="en-US" dirty="0"/>
+            </a:br>
+            <a:r>
+              <a:rPr lang="en-US" i="1" dirty="0"/>
+              <a:t>Insights from an Investigation of Wind Turbine Data</a:t>
+            </a:r>
           </a:p>
         </p:txBody>
       </p:sp>
@@ -3365,15 +6695,80 @@
             <p:ph type="subTitle" idx="1"/>
           </p:nvPr>
         </p:nvSpPr>
-        <p:spPr/>
-        <p:txBody>
-          <a:bodyPr/>
+        <p:spPr>
+          <a:xfrm>
+            <a:off x="6543261" y="4221198"/>
+            <a:ext cx="4757530" cy="1891367"/>
+          </a:xfrm>
+        </p:spPr>
+        <p:txBody>
+          <a:bodyPr>
+            <a:normAutofit/>
+          </a:bodyPr>
           <a:lstStyle/>
           <a:p>
-            <a:endParaRPr lang="en-US"/>
-          </a:p>
-        </p:txBody>
-      </p:sp>
+            <a:r>
+              <a:rPr lang="en-US" dirty="0"/>
+              <a:t>Kevin Ladisheff, Justin Moreland, Luke Schumaker, Steven Sterkenburg</a:t>
+            </a:r>
+          </a:p>
+          <a:p>
+            <a:r>
+              <a:rPr lang="en-US" dirty="0"/>
+              <a:t>Instructors: Bill Parker &amp; Kathy </a:t>
+            </a:r>
+            <a:r>
+              <a:rPr lang="en-US" dirty="0" err="1"/>
+              <a:t>Nwe</a:t>
+            </a:r>
+            <a:endParaRPr lang="en-US" dirty="0"/>
+          </a:p>
+          <a:p>
+            <a:r>
+              <a:rPr lang="en-US" dirty="0"/>
+              <a:t>August 2</a:t>
+            </a:r>
+            <a:r>
+              <a:rPr lang="en-US" baseline="30000" dirty="0"/>
+              <a:t>nd</a:t>
+            </a:r>
+            <a:r>
+              <a:rPr lang="en-US" dirty="0"/>
+              <a:t>, 2023</a:t>
+            </a:r>
+          </a:p>
+        </p:txBody>
+      </p:sp>
+      <p:pic>
+        <p:nvPicPr>
+          <p:cNvPr id="4" name="Picture 3" descr="A group of wind turbines in the ocean&#10;&#10;Description automatically generated">
+            <a:extLst>
+              <a:ext uri="{FF2B5EF4-FFF2-40B4-BE49-F238E27FC236}">
+                <a16:creationId xmlns:a16="http://schemas.microsoft.com/office/drawing/2014/main" id="{C9CAC40C-F38F-C69B-68A7-FA8E3030C0B4}"/>
+              </a:ext>
+            </a:extLst>
+          </p:cNvPr>
+          <p:cNvPicPr>
+            <a:picLocks noChangeAspect="1"/>
+          </p:cNvPicPr>
+          <p:nvPr/>
+        </p:nvPicPr>
+        <p:blipFill>
+          <a:blip r:embed="rId3"/>
+          <a:stretch>
+            <a:fillRect/>
+          </a:stretch>
+        </p:blipFill>
+        <p:spPr>
+          <a:xfrm>
+            <a:off x="87308" y="50787"/>
+            <a:ext cx="6008692" cy="2741017"/>
+          </a:xfrm>
+          <a:prstGeom prst="rect">
+            <a:avLst/>
+          </a:prstGeom>
+        </p:spPr>
+      </p:pic>
     </p:spTree>
     <p:extLst>
       <p:ext uri="{BB962C8B-B14F-4D97-AF65-F5344CB8AC3E}">
@@ -3409,7 +6804,7 @@
           <p:cNvPr id="2" name="Title 1">
             <a:extLst>
               <a:ext uri="{FF2B5EF4-FFF2-40B4-BE49-F238E27FC236}">
-                <a16:creationId xmlns:a16="http://schemas.microsoft.com/office/drawing/2014/main" id="{9A3F8940-3FA5-8E0C-D758-2BAC916A8483}"/>
+                <a16:creationId xmlns:a16="http://schemas.microsoft.com/office/drawing/2014/main" id="{E9196997-1CBD-A41A-2B62-BC54BACF0605}"/>
               </a:ext>
             </a:extLst>
           </p:cNvPr>
@@ -3425,7 +6820,10 @@
           <a:bodyPr/>
           <a:lstStyle/>
           <a:p>
-            <a:endParaRPr lang="en-US"/>
+            <a:r>
+              <a:rPr lang="en-US" dirty="0"/>
+              <a:t>Scenario and Questions</a:t>
+            </a:r>
           </a:p>
         </p:txBody>
       </p:sp>
@@ -3434,7 +6832,7 @@
           <p:cNvPr id="3" name="Content Placeholder 2">
             <a:extLst>
               <a:ext uri="{FF2B5EF4-FFF2-40B4-BE49-F238E27FC236}">
-                <a16:creationId xmlns:a16="http://schemas.microsoft.com/office/drawing/2014/main" id="{55CA418C-C747-E284-3199-D362822BB1BC}"/>
+                <a16:creationId xmlns:a16="http://schemas.microsoft.com/office/drawing/2014/main" id="{ED6BC9A5-2646-CAD1-CC2D-6B74EF65362D}"/>
               </a:ext>
             </a:extLst>
           </p:cNvPr>
@@ -3457,7 +6855,7 @@
     </p:spTree>
     <p:extLst>
       <p:ext uri="{BB962C8B-B14F-4D97-AF65-F5344CB8AC3E}">
-        <p14:creationId xmlns:p14="http://schemas.microsoft.com/office/powerpoint/2010/main" val="2677121497"/>
+        <p14:creationId xmlns:p14="http://schemas.microsoft.com/office/powerpoint/2010/main" val="2198259080"/>
       </p:ext>
     </p:extLst>
   </p:cSld>
@@ -3468,6 +6866,95 @@
 </file>
 
 <file path=ppt/slides/slide3.xml><?xml version="1.0" encoding="utf-8"?>
+<p:sld xmlns:a="http://schemas.openxmlformats.org/drawingml/2006/main" xmlns:r="http://schemas.openxmlformats.org/officeDocument/2006/relationships" xmlns:p="http://schemas.openxmlformats.org/presentationml/2006/main">
+  <p:cSld>
+    <p:spTree>
+      <p:nvGrpSpPr>
+        <p:cNvPr id="1" name=""/>
+        <p:cNvGrpSpPr/>
+        <p:nvPr/>
+      </p:nvGrpSpPr>
+      <p:grpSpPr>
+        <a:xfrm>
+          <a:off x="0" y="0"/>
+          <a:ext cx="0" cy="0"/>
+          <a:chOff x="0" y="0"/>
+          <a:chExt cx="0" cy="0"/>
+        </a:xfrm>
+      </p:grpSpPr>
+      <p:sp>
+        <p:nvSpPr>
+          <p:cNvPr id="2" name="Title 1">
+            <a:extLst>
+              <a:ext uri="{FF2B5EF4-FFF2-40B4-BE49-F238E27FC236}">
+                <a16:creationId xmlns:a16="http://schemas.microsoft.com/office/drawing/2014/main" id="{B2ACA102-D71C-22A5-1180-07BDAD640BB5}"/>
+              </a:ext>
+            </a:extLst>
+          </p:cNvPr>
+          <p:cNvSpPr>
+            <a:spLocks noGrp="1"/>
+          </p:cNvSpPr>
+          <p:nvPr>
+            <p:ph type="title"/>
+          </p:nvPr>
+        </p:nvSpPr>
+        <p:spPr/>
+        <p:txBody>
+          <a:bodyPr/>
+          <a:lstStyle/>
+          <a:p>
+            <a:r>
+              <a:rPr lang="en-US" dirty="0"/>
+              <a:t>Agenda</a:t>
+            </a:r>
+          </a:p>
+        </p:txBody>
+      </p:sp>
+      <p:graphicFrame>
+        <p:nvGraphicFramePr>
+          <p:cNvPr id="6" name="Content Placeholder 5">
+            <a:extLst>
+              <a:ext uri="{FF2B5EF4-FFF2-40B4-BE49-F238E27FC236}">
+                <a16:creationId xmlns:a16="http://schemas.microsoft.com/office/drawing/2014/main" id="{8EAC6901-9170-EF49-8998-F757D259E90E}"/>
+              </a:ext>
+            </a:extLst>
+          </p:cNvPr>
+          <p:cNvGraphicFramePr>
+            <a:graphicFrameLocks noGrp="1"/>
+          </p:cNvGraphicFramePr>
+          <p:nvPr>
+            <p:ph idx="1"/>
+            <p:extLst>
+              <p:ext uri="{D42A27DB-BD31-4B8C-83A1-F6EECF244321}">
+                <p14:modId xmlns:p14="http://schemas.microsoft.com/office/powerpoint/2010/main" val="1983989320"/>
+              </p:ext>
+            </p:extLst>
+          </p:nvPr>
+        </p:nvGraphicFramePr>
+        <p:xfrm>
+          <a:off x="838200" y="1825625"/>
+          <a:ext cx="10515600" cy="4351338"/>
+        </p:xfrm>
+        <a:graphic>
+          <a:graphicData uri="http://schemas.openxmlformats.org/drawingml/2006/diagram">
+            <dgm:relIds xmlns:dgm="http://schemas.openxmlformats.org/drawingml/2006/diagram" xmlns:r="http://schemas.openxmlformats.org/officeDocument/2006/relationships" r:dm="rId3" r:lo="rId4" r:qs="rId5" r:cs="rId6"/>
+          </a:graphicData>
+        </a:graphic>
+      </p:graphicFrame>
+    </p:spTree>
+    <p:extLst>
+      <p:ext uri="{BB962C8B-B14F-4D97-AF65-F5344CB8AC3E}">
+        <p14:creationId xmlns:p14="http://schemas.microsoft.com/office/powerpoint/2010/main" val="2911450086"/>
+      </p:ext>
+    </p:extLst>
+  </p:cSld>
+  <p:clrMapOvr>
+    <a:masterClrMapping/>
+  </p:clrMapOvr>
+</p:sld>
+</file>
+
+<file path=ppt/slides/slide4.xml><?xml version="1.0" encoding="utf-8"?>
 <p:sld xmlns:a="http://schemas.openxmlformats.org/drawingml/2006/main" xmlns:r="http://schemas.openxmlformats.org/officeDocument/2006/relationships" xmlns:p="http://schemas.openxmlformats.org/presentationml/2006/main">
   <p:cSld>
     <p:spTree>
@@ -3621,7 +7108,306 @@
 </p:sld>
 </file>
 
-<file path=ppt/slides/slide4.xml><?xml version="1.0" encoding="utf-8"?>
+<file path=ppt/slides/slide5.xml><?xml version="1.0" encoding="utf-8"?>
+<p:sld xmlns:a="http://schemas.openxmlformats.org/drawingml/2006/main" xmlns:r="http://schemas.openxmlformats.org/officeDocument/2006/relationships" xmlns:p="http://schemas.openxmlformats.org/presentationml/2006/main">
+  <p:cSld>
+    <p:spTree>
+      <p:nvGrpSpPr>
+        <p:cNvPr id="1" name=""/>
+        <p:cNvGrpSpPr/>
+        <p:nvPr/>
+      </p:nvGrpSpPr>
+      <p:grpSpPr>
+        <a:xfrm>
+          <a:off x="0" y="0"/>
+          <a:ext cx="0" cy="0"/>
+          <a:chOff x="0" y="0"/>
+          <a:chExt cx="0" cy="0"/>
+        </a:xfrm>
+      </p:grpSpPr>
+      <p:sp>
+        <p:nvSpPr>
+          <p:cNvPr id="2" name="Title 1">
+            <a:extLst>
+              <a:ext uri="{FF2B5EF4-FFF2-40B4-BE49-F238E27FC236}">
+                <a16:creationId xmlns:a16="http://schemas.microsoft.com/office/drawing/2014/main" id="{067AEF92-6EA3-3903-7341-85B3D1189009}"/>
+              </a:ext>
+            </a:extLst>
+          </p:cNvPr>
+          <p:cNvSpPr>
+            <a:spLocks noGrp="1"/>
+          </p:cNvSpPr>
+          <p:nvPr>
+            <p:ph type="title"/>
+          </p:nvPr>
+        </p:nvSpPr>
+        <p:spPr/>
+        <p:txBody>
+          <a:bodyPr/>
+          <a:lstStyle/>
+          <a:p>
+            <a:endParaRPr lang="en-US"/>
+          </a:p>
+        </p:txBody>
+      </p:sp>
+      <p:sp>
+        <p:nvSpPr>
+          <p:cNvPr id="3" name="Text Placeholder 2">
+            <a:extLst>
+              <a:ext uri="{FF2B5EF4-FFF2-40B4-BE49-F238E27FC236}">
+                <a16:creationId xmlns:a16="http://schemas.microsoft.com/office/drawing/2014/main" id="{59B6A20B-0348-7181-09C8-215E55593269}"/>
+              </a:ext>
+            </a:extLst>
+          </p:cNvPr>
+          <p:cNvSpPr>
+            <a:spLocks noGrp="1"/>
+          </p:cNvSpPr>
+          <p:nvPr>
+            <p:ph type="body" idx="1"/>
+          </p:nvPr>
+        </p:nvSpPr>
+        <p:spPr/>
+        <p:txBody>
+          <a:bodyPr/>
+          <a:lstStyle/>
+          <a:p>
+            <a:endParaRPr lang="en-US"/>
+          </a:p>
+        </p:txBody>
+      </p:sp>
+      <p:sp>
+        <p:nvSpPr>
+          <p:cNvPr id="4" name="Content Placeholder 3">
+            <a:extLst>
+              <a:ext uri="{FF2B5EF4-FFF2-40B4-BE49-F238E27FC236}">
+                <a16:creationId xmlns:a16="http://schemas.microsoft.com/office/drawing/2014/main" id="{8E549ADE-9970-197A-0C11-53E9A74F88C9}"/>
+              </a:ext>
+            </a:extLst>
+          </p:cNvPr>
+          <p:cNvSpPr>
+            <a:spLocks noGrp="1"/>
+          </p:cNvSpPr>
+          <p:nvPr>
+            <p:ph sz="half" idx="2"/>
+          </p:nvPr>
+        </p:nvSpPr>
+        <p:spPr/>
+        <p:txBody>
+          <a:bodyPr/>
+          <a:lstStyle/>
+          <a:p>
+            <a:endParaRPr lang="en-US"/>
+          </a:p>
+        </p:txBody>
+      </p:sp>
+      <p:sp>
+        <p:nvSpPr>
+          <p:cNvPr id="5" name="Text Placeholder 4">
+            <a:extLst>
+              <a:ext uri="{FF2B5EF4-FFF2-40B4-BE49-F238E27FC236}">
+                <a16:creationId xmlns:a16="http://schemas.microsoft.com/office/drawing/2014/main" id="{BD3BD8FB-93CA-B59E-9D8E-5C5A79583C2B}"/>
+              </a:ext>
+            </a:extLst>
+          </p:cNvPr>
+          <p:cNvSpPr>
+            <a:spLocks noGrp="1"/>
+          </p:cNvSpPr>
+          <p:nvPr>
+            <p:ph type="body" sz="quarter" idx="3"/>
+          </p:nvPr>
+        </p:nvSpPr>
+        <p:spPr/>
+        <p:txBody>
+          <a:bodyPr/>
+          <a:lstStyle/>
+          <a:p>
+            <a:endParaRPr lang="en-US"/>
+          </a:p>
+        </p:txBody>
+      </p:sp>
+      <p:sp>
+        <p:nvSpPr>
+          <p:cNvPr id="6" name="Content Placeholder 5">
+            <a:extLst>
+              <a:ext uri="{FF2B5EF4-FFF2-40B4-BE49-F238E27FC236}">
+                <a16:creationId xmlns:a16="http://schemas.microsoft.com/office/drawing/2014/main" id="{2B0426ED-A1CE-A9EC-C155-708B223A615F}"/>
+              </a:ext>
+            </a:extLst>
+          </p:cNvPr>
+          <p:cNvSpPr>
+            <a:spLocks noGrp="1"/>
+          </p:cNvSpPr>
+          <p:nvPr>
+            <p:ph sz="quarter" idx="4"/>
+          </p:nvPr>
+        </p:nvSpPr>
+        <p:spPr/>
+        <p:txBody>
+          <a:bodyPr/>
+          <a:lstStyle/>
+          <a:p>
+            <a:endParaRPr lang="en-US"/>
+          </a:p>
+        </p:txBody>
+      </p:sp>
+    </p:spTree>
+    <p:extLst>
+      <p:ext uri="{BB962C8B-B14F-4D97-AF65-F5344CB8AC3E}">
+        <p14:creationId xmlns:p14="http://schemas.microsoft.com/office/powerpoint/2010/main" val="3858401357"/>
+      </p:ext>
+    </p:extLst>
+  </p:cSld>
+  <p:clrMapOvr>
+    <a:masterClrMapping/>
+  </p:clrMapOvr>
+</p:sld>
+</file>
+
+<file path=ppt/slides/slide6.xml><?xml version="1.0" encoding="utf-8"?>
+<p:sld xmlns:a="http://schemas.openxmlformats.org/drawingml/2006/main" xmlns:r="http://schemas.openxmlformats.org/officeDocument/2006/relationships" xmlns:p="http://schemas.openxmlformats.org/presentationml/2006/main">
+  <p:cSld>
+    <p:spTree>
+      <p:nvGrpSpPr>
+        <p:cNvPr id="1" name=""/>
+        <p:cNvGrpSpPr/>
+        <p:nvPr/>
+      </p:nvGrpSpPr>
+      <p:grpSpPr>
+        <a:xfrm>
+          <a:off x="0" y="0"/>
+          <a:ext cx="0" cy="0"/>
+          <a:chOff x="0" y="0"/>
+          <a:chExt cx="0" cy="0"/>
+        </a:xfrm>
+      </p:grpSpPr>
+      <p:sp>
+        <p:nvSpPr>
+          <p:cNvPr id="2" name="Title 1">
+            <a:extLst>
+              <a:ext uri="{FF2B5EF4-FFF2-40B4-BE49-F238E27FC236}">
+                <a16:creationId xmlns:a16="http://schemas.microsoft.com/office/drawing/2014/main" id="{9A3F8940-3FA5-8E0C-D758-2BAC916A8483}"/>
+              </a:ext>
+            </a:extLst>
+          </p:cNvPr>
+          <p:cNvSpPr>
+            <a:spLocks noGrp="1"/>
+          </p:cNvSpPr>
+          <p:nvPr>
+            <p:ph type="title"/>
+          </p:nvPr>
+        </p:nvSpPr>
+        <p:spPr/>
+        <p:txBody>
+          <a:bodyPr/>
+          <a:lstStyle/>
+          <a:p>
+            <a:endParaRPr lang="en-US"/>
+          </a:p>
+        </p:txBody>
+      </p:sp>
+      <p:pic>
+        <p:nvPicPr>
+          <p:cNvPr id="5" name="Content Placeholder 4" descr="A wind turbine in the ocean&#10;&#10;Description automatically generated">
+            <a:extLst>
+              <a:ext uri="{FF2B5EF4-FFF2-40B4-BE49-F238E27FC236}">
+                <a16:creationId xmlns:a16="http://schemas.microsoft.com/office/drawing/2014/main" id="{9AA89939-3980-7F4C-5266-70721CDB4A11}"/>
+              </a:ext>
+            </a:extLst>
+          </p:cNvPr>
+          <p:cNvPicPr>
+            <a:picLocks noGrp="1" noChangeAspect="1"/>
+          </p:cNvPicPr>
+          <p:nvPr>
+            <p:ph idx="1"/>
+          </p:nvPr>
+        </p:nvPicPr>
+        <p:blipFill>
+          <a:blip r:embed="rId2"/>
+          <a:stretch>
+            <a:fillRect/>
+          </a:stretch>
+        </p:blipFill>
+        <p:spPr>
+          <a:xfrm>
+            <a:off x="838200" y="2112859"/>
+            <a:ext cx="5435600" cy="3200400"/>
+          </a:xfrm>
+        </p:spPr>
+      </p:pic>
+      <p:pic>
+        <p:nvPicPr>
+          <p:cNvPr id="7" name="Picture 6" descr="A plane wing on a road&#10;&#10;Description automatically generated">
+            <a:extLst>
+              <a:ext uri="{FF2B5EF4-FFF2-40B4-BE49-F238E27FC236}">
+                <a16:creationId xmlns:a16="http://schemas.microsoft.com/office/drawing/2014/main" id="{E8B8AB62-694D-0034-EFD1-906DC3B8E61F}"/>
+              </a:ext>
+            </a:extLst>
+          </p:cNvPr>
+          <p:cNvPicPr>
+            <a:picLocks noChangeAspect="1"/>
+          </p:cNvPicPr>
+          <p:nvPr/>
+        </p:nvPicPr>
+        <p:blipFill>
+          <a:blip r:embed="rId3"/>
+          <a:stretch>
+            <a:fillRect/>
+          </a:stretch>
+        </p:blipFill>
+        <p:spPr>
+          <a:xfrm>
+            <a:off x="6701481" y="813692"/>
+            <a:ext cx="4218408" cy="2176163"/>
+          </a:xfrm>
+          <a:prstGeom prst="rect">
+            <a:avLst/>
+          </a:prstGeom>
+        </p:spPr>
+      </p:pic>
+      <p:pic>
+        <p:nvPicPr>
+          <p:cNvPr id="9" name="Picture 8" descr="A large white object on a crane&#10;&#10;Description automatically generated">
+            <a:extLst>
+              <a:ext uri="{FF2B5EF4-FFF2-40B4-BE49-F238E27FC236}">
+                <a16:creationId xmlns:a16="http://schemas.microsoft.com/office/drawing/2014/main" id="{BE414919-6CA6-E2D3-2588-5C347AD14509}"/>
+              </a:ext>
+            </a:extLst>
+          </p:cNvPr>
+          <p:cNvPicPr>
+            <a:picLocks noChangeAspect="1"/>
+          </p:cNvPicPr>
+          <p:nvPr/>
+        </p:nvPicPr>
+        <p:blipFill>
+          <a:blip r:embed="rId4"/>
+          <a:stretch>
+            <a:fillRect/>
+          </a:stretch>
+        </p:blipFill>
+        <p:spPr>
+          <a:xfrm>
+            <a:off x="6701481" y="3713059"/>
+            <a:ext cx="4521372" cy="2414506"/>
+          </a:xfrm>
+          <a:prstGeom prst="rect">
+            <a:avLst/>
+          </a:prstGeom>
+        </p:spPr>
+      </p:pic>
+    </p:spTree>
+    <p:extLst>
+      <p:ext uri="{BB962C8B-B14F-4D97-AF65-F5344CB8AC3E}">
+        <p14:creationId xmlns:p14="http://schemas.microsoft.com/office/powerpoint/2010/main" val="2677121497"/>
+      </p:ext>
+    </p:extLst>
+  </p:cSld>
+  <p:clrMapOvr>
+    <a:masterClrMapping/>
+  </p:clrMapOvr>
+</p:sld>
+</file>
+
+<file path=ppt/slides/slide7.xml><?xml version="1.0" encoding="utf-8"?>
 <p:sld xmlns:a="http://schemas.openxmlformats.org/drawingml/2006/main" xmlns:r="http://schemas.openxmlformats.org/officeDocument/2006/relationships" xmlns:p="http://schemas.openxmlformats.org/presentationml/2006/main">
   <p:cSld>
     <p:spTree>
@@ -4135,4 +7921,299 @@
     </a:ext>
   </a:extLst>
 </a:theme>
+</file>
+
+<file path=ppt/theme/theme2.xml><?xml version="1.0" encoding="utf-8"?>
+<a:theme xmlns:a="http://schemas.openxmlformats.org/drawingml/2006/main" name="Office Theme">
+  <a:themeElements>
+    <a:clrScheme name="Office">
+      <a:dk1>
+        <a:sysClr val="windowText" lastClr="000000"/>
+      </a:dk1>
+      <a:lt1>
+        <a:sysClr val="window" lastClr="FFFFFF"/>
+      </a:lt1>
+      <a:dk2>
+        <a:srgbClr val="44546A"/>
+      </a:dk2>
+      <a:lt2>
+        <a:srgbClr val="E7E6E6"/>
+      </a:lt2>
+      <a:accent1>
+        <a:srgbClr val="4472C4"/>
+      </a:accent1>
+      <a:accent2>
+        <a:srgbClr val="ED7D31"/>
+      </a:accent2>
+      <a:accent3>
+        <a:srgbClr val="A5A5A5"/>
+      </a:accent3>
+      <a:accent4>
+        <a:srgbClr val="FFC000"/>
+      </a:accent4>
+      <a:accent5>
+        <a:srgbClr val="5B9BD5"/>
+      </a:accent5>
+      <a:accent6>
+        <a:srgbClr val="70AD47"/>
+      </a:accent6>
+      <a:hlink>
+        <a:srgbClr val="0563C1"/>
+      </a:hlink>
+      <a:folHlink>
+        <a:srgbClr val="954F72"/>
+      </a:folHlink>
+    </a:clrScheme>
+    <a:fontScheme name="Office">
+      <a:majorFont>
+        <a:latin typeface="Calibri Light" panose="020F0302020204030204"/>
+        <a:ea typeface=""/>
+        <a:cs typeface=""/>
+        <a:font script="Jpan" typeface="游ゴシック Light"/>
+        <a:font script="Hang" typeface="맑은 고딕"/>
+        <a:font script="Hans" typeface="等线 Light"/>
+        <a:font script="Hant" typeface="新細明體"/>
+        <a:font script="Arab" typeface="Times New Roman"/>
+        <a:font script="Hebr" typeface="Times New Roman"/>
+        <a:font script="Thai" typeface="Angsana New"/>
+        <a:font script="Ethi" typeface="Nyala"/>
+        <a:font script="Beng" typeface="Vrinda"/>
+        <a:font script="Gujr" typeface="Shruti"/>
+        <a:font script="Khmr" typeface="MoolBoran"/>
+        <a:font script="Knda" typeface="Tunga"/>
+        <a:font script="Guru" typeface="Raavi"/>
+        <a:font script="Cans" typeface="Euphemia"/>
+        <a:font script="Cher" typeface="Plantagenet Cherokee"/>
+        <a:font script="Yiii" typeface="Microsoft Yi Baiti"/>
+        <a:font script="Tibt" typeface="Microsoft Himalaya"/>
+        <a:font script="Thaa" typeface="MV Boli"/>
+        <a:font script="Deva" typeface="Mangal"/>
+        <a:font script="Telu" typeface="Gautami"/>
+        <a:font script="Taml" typeface="Latha"/>
+        <a:font script="Syrc" typeface="Estrangelo Edessa"/>
+        <a:font script="Orya" typeface="Kalinga"/>
+        <a:font script="Mlym" typeface="Kartika"/>
+        <a:font script="Laoo" typeface="DokChampa"/>
+        <a:font script="Sinh" typeface="Iskoola Pota"/>
+        <a:font script="Mong" typeface="Mongolian Baiti"/>
+        <a:font script="Viet" typeface="Times New Roman"/>
+        <a:font script="Uigh" typeface="Microsoft Uighur"/>
+        <a:font script="Geor" typeface="Sylfaen"/>
+        <a:font script="Armn" typeface="Arial"/>
+        <a:font script="Bugi" typeface="Leelawadee UI"/>
+        <a:font script="Bopo" typeface="Microsoft JhengHei"/>
+        <a:font script="Java" typeface="Javanese Text"/>
+        <a:font script="Lisu" typeface="Segoe UI"/>
+        <a:font script="Mymr" typeface="Myanmar Text"/>
+        <a:font script="Nkoo" typeface="Ebrima"/>
+        <a:font script="Olck" typeface="Nirmala UI"/>
+        <a:font script="Osma" typeface="Ebrima"/>
+        <a:font script="Phag" typeface="Phagspa"/>
+        <a:font script="Syrn" typeface="Estrangelo Edessa"/>
+        <a:font script="Syrj" typeface="Estrangelo Edessa"/>
+        <a:font script="Syre" typeface="Estrangelo Edessa"/>
+        <a:font script="Sora" typeface="Nirmala UI"/>
+        <a:font script="Tale" typeface="Microsoft Tai Le"/>
+        <a:font script="Talu" typeface="Microsoft New Tai Lue"/>
+        <a:font script="Tfng" typeface="Ebrima"/>
+      </a:majorFont>
+      <a:minorFont>
+        <a:latin typeface="Calibri" panose="020F0502020204030204"/>
+        <a:ea typeface=""/>
+        <a:cs typeface=""/>
+        <a:font script="Jpan" typeface="游ゴシック"/>
+        <a:font script="Hang" typeface="맑은 고딕"/>
+        <a:font script="Hans" typeface="等线"/>
+        <a:font script="Hant" typeface="新細明體"/>
+        <a:font script="Arab" typeface="Arial"/>
+        <a:font script="Hebr" typeface="Arial"/>
+        <a:font script="Thai" typeface="Cordia New"/>
+        <a:font script="Ethi" typeface="Nyala"/>
+        <a:font script="Beng" typeface="Vrinda"/>
+        <a:font script="Gujr" typeface="Shruti"/>
+        <a:font script="Khmr" typeface="DaunPenh"/>
+        <a:font script="Knda" typeface="Tunga"/>
+        <a:font script="Guru" typeface="Raavi"/>
+        <a:font script="Cans" typeface="Euphemia"/>
+        <a:font script="Cher" typeface="Plantagenet Cherokee"/>
+        <a:font script="Yiii" typeface="Microsoft Yi Baiti"/>
+        <a:font script="Tibt" typeface="Microsoft Himalaya"/>
+        <a:font script="Thaa" typeface="MV Boli"/>
+        <a:font script="Deva" typeface="Mangal"/>
+        <a:font script="Telu" typeface="Gautami"/>
+        <a:font script="Taml" typeface="Latha"/>
+        <a:font script="Syrc" typeface="Estrangelo Edessa"/>
+        <a:font script="Orya" typeface="Kalinga"/>
+        <a:font script="Mlym" typeface="Kartika"/>
+        <a:font script="Laoo" typeface="DokChampa"/>
+        <a:font script="Sinh" typeface="Iskoola Pota"/>
+        <a:font script="Mong" typeface="Mongolian Baiti"/>
+        <a:font script="Viet" typeface="Arial"/>
+        <a:font script="Uigh" typeface="Microsoft Uighur"/>
+        <a:font script="Geor" typeface="Sylfaen"/>
+        <a:font script="Armn" typeface="Arial"/>
+        <a:font script="Bugi" typeface="Leelawadee UI"/>
+        <a:font script="Bopo" typeface="Microsoft JhengHei"/>
+        <a:font script="Java" typeface="Javanese Text"/>
+        <a:font script="Lisu" typeface="Segoe UI"/>
+        <a:font script="Mymr" typeface="Myanmar Text"/>
+        <a:font script="Nkoo" typeface="Ebrima"/>
+        <a:font script="Olck" typeface="Nirmala UI"/>
+        <a:font script="Osma" typeface="Ebrima"/>
+        <a:font script="Phag" typeface="Phagspa"/>
+        <a:font script="Syrn" typeface="Estrangelo Edessa"/>
+        <a:font script="Syrj" typeface="Estrangelo Edessa"/>
+        <a:font script="Syre" typeface="Estrangelo Edessa"/>
+        <a:font script="Sora" typeface="Nirmala UI"/>
+        <a:font script="Tale" typeface="Microsoft Tai Le"/>
+        <a:font script="Talu" typeface="Microsoft New Tai Lue"/>
+        <a:font script="Tfng" typeface="Ebrima"/>
+      </a:minorFont>
+    </a:fontScheme>
+    <a:fmtScheme name="Office">
+      <a:fillStyleLst>
+        <a:solidFill>
+          <a:schemeClr val="phClr"/>
+        </a:solidFill>
+        <a:gradFill rotWithShape="1">
+          <a:gsLst>
+            <a:gs pos="0">
+              <a:schemeClr val="phClr">
+                <a:lumMod val="110000"/>
+                <a:satMod val="105000"/>
+                <a:tint val="67000"/>
+              </a:schemeClr>
+            </a:gs>
+            <a:gs pos="50000">
+              <a:schemeClr val="phClr">
+                <a:lumMod val="105000"/>
+                <a:satMod val="103000"/>
+                <a:tint val="73000"/>
+              </a:schemeClr>
+            </a:gs>
+            <a:gs pos="100000">
+              <a:schemeClr val="phClr">
+                <a:lumMod val="105000"/>
+                <a:satMod val="109000"/>
+                <a:tint val="81000"/>
+              </a:schemeClr>
+            </a:gs>
+          </a:gsLst>
+          <a:lin ang="5400000" scaled="0"/>
+        </a:gradFill>
+        <a:gradFill rotWithShape="1">
+          <a:gsLst>
+            <a:gs pos="0">
+              <a:schemeClr val="phClr">
+                <a:satMod val="103000"/>
+                <a:lumMod val="102000"/>
+                <a:tint val="94000"/>
+              </a:schemeClr>
+            </a:gs>
+            <a:gs pos="50000">
+              <a:schemeClr val="phClr">
+                <a:satMod val="110000"/>
+                <a:lumMod val="100000"/>
+                <a:shade val="100000"/>
+              </a:schemeClr>
+            </a:gs>
+            <a:gs pos="100000">
+              <a:schemeClr val="phClr">
+                <a:lumMod val="99000"/>
+                <a:satMod val="120000"/>
+                <a:shade val="78000"/>
+              </a:schemeClr>
+            </a:gs>
+          </a:gsLst>
+          <a:lin ang="5400000" scaled="0"/>
+        </a:gradFill>
+      </a:fillStyleLst>
+      <a:lnStyleLst>
+        <a:ln w="6350" cap="flat" cmpd="sng" algn="ctr">
+          <a:solidFill>
+            <a:schemeClr val="phClr"/>
+          </a:solidFill>
+          <a:prstDash val="solid"/>
+          <a:miter lim="800000"/>
+        </a:ln>
+        <a:ln w="12700" cap="flat" cmpd="sng" algn="ctr">
+          <a:solidFill>
+            <a:schemeClr val="phClr"/>
+          </a:solidFill>
+          <a:prstDash val="solid"/>
+          <a:miter lim="800000"/>
+        </a:ln>
+        <a:ln w="19050" cap="flat" cmpd="sng" algn="ctr">
+          <a:solidFill>
+            <a:schemeClr val="phClr"/>
+          </a:solidFill>
+          <a:prstDash val="solid"/>
+          <a:miter lim="800000"/>
+        </a:ln>
+      </a:lnStyleLst>
+      <a:effectStyleLst>
+        <a:effectStyle>
+          <a:effectLst/>
+        </a:effectStyle>
+        <a:effectStyle>
+          <a:effectLst/>
+        </a:effectStyle>
+        <a:effectStyle>
+          <a:effectLst>
+            <a:outerShdw blurRad="57150" dist="19050" dir="5400000" algn="ctr" rotWithShape="0">
+              <a:srgbClr val="000000">
+                <a:alpha val="63000"/>
+              </a:srgbClr>
+            </a:outerShdw>
+          </a:effectLst>
+        </a:effectStyle>
+      </a:effectStyleLst>
+      <a:bgFillStyleLst>
+        <a:solidFill>
+          <a:schemeClr val="phClr"/>
+        </a:solidFill>
+        <a:solidFill>
+          <a:schemeClr val="phClr">
+            <a:tint val="95000"/>
+            <a:satMod val="170000"/>
+          </a:schemeClr>
+        </a:solidFill>
+        <a:gradFill rotWithShape="1">
+          <a:gsLst>
+            <a:gs pos="0">
+              <a:schemeClr val="phClr">
+                <a:tint val="93000"/>
+                <a:satMod val="150000"/>
+                <a:shade val="98000"/>
+                <a:lumMod val="102000"/>
+              </a:schemeClr>
+            </a:gs>
+            <a:gs pos="50000">
+              <a:schemeClr val="phClr">
+                <a:tint val="98000"/>
+                <a:satMod val="130000"/>
+                <a:shade val="90000"/>
+                <a:lumMod val="103000"/>
+              </a:schemeClr>
+            </a:gs>
+            <a:gs pos="100000">
+              <a:schemeClr val="phClr">
+                <a:shade val="63000"/>
+                <a:satMod val="120000"/>
+              </a:schemeClr>
+            </a:gs>
+          </a:gsLst>
+          <a:lin ang="5400000" scaled="0"/>
+        </a:gradFill>
+      </a:bgFillStyleLst>
+    </a:fmtScheme>
+  </a:themeElements>
+  <a:objectDefaults/>
+  <a:extraClrSchemeLst/>
+  <a:extLst>
+    <a:ext uri="{05A4C25C-085E-4340-85A3-A5531E510DB2}">
+      <thm15:themeFamily xmlns:thm15="http://schemas.microsoft.com/office/thememl/2012/main" name="Office Theme" id="{62F939B6-93AF-4DB8-9C6B-D6C7DFDC589F}" vid="{4A3C46E8-61CC-4603-A589-7422A47A8E4A}"/>
+    </a:ext>
+  </a:extLst>
+</a:theme>
 </file>